--- a/map reduce Aranibar.pptx
+++ b/map reduce Aranibar.pptx
@@ -3620,7 +3620,7 @@
                 </a:solidFill>
                 <a:latin typeface="League Spartan"/>
               </a:rPr>
-              <a:t>ARANIBAR CASTILLO AYRTON</a:t>
+              <a:t>ARANIBAR CASTILLO, AYRTON</a:t>
             </a:r>
           </a:p>
         </p:txBody>
@@ -3960,8 +3960,8 @@
         </p:nvSpPr>
         <p:spPr>
           <a:xfrm flipH="false" flipV="false" rot="0">
-            <a:off x="9362790" y="4074305"/>
-            <a:ext cx="5394925" cy="6124673"/>
+            <a:off x="9144000" y="4055804"/>
+            <a:ext cx="5702695" cy="6231196"/>
           </a:xfrm>
           <a:custGeom>
             <a:avLst/>
@@ -3970,18 +3970,18 @@
             <a:cxnLst/>
             <a:rect r="r" b="b" t="t" l="l"/>
             <a:pathLst>
-              <a:path h="6124673" w="5394925">
+              <a:path h="6231196" w="5702695">
                 <a:moveTo>
                   <a:pt x="0" y="0"/>
                 </a:moveTo>
                 <a:lnTo>
-                  <a:pt x="5394925" y="0"/>
-                </a:lnTo>
-                <a:lnTo>
-                  <a:pt x="5394925" y="6124673"/>
-                </a:lnTo>
-                <a:lnTo>
-                  <a:pt x="0" y="6124673"/>
+                  <a:pt x="5702695" y="0"/>
+                </a:lnTo>
+                <a:lnTo>
+                  <a:pt x="5702695" y="6231196"/>
+                </a:lnTo>
+                <a:lnTo>
+                  <a:pt x="0" y="6231196"/>
                 </a:lnTo>
                 <a:lnTo>
                   <a:pt x="0" y="0"/>
@@ -4328,8 +4328,8 @@
         </p:nvSpPr>
         <p:spPr>
           <a:xfrm rot="0">
-            <a:off x="3144217" y="3524315"/>
-            <a:ext cx="11999565" cy="487816"/>
+            <a:off x="4139431" y="3524315"/>
+            <a:ext cx="10009138" cy="487816"/>
           </a:xfrm>
           <a:prstGeom prst="rect">
             <a:avLst/>
@@ -4356,7 +4356,7 @@
                 </a:solidFill>
                 <a:latin typeface="Open Sans Bold"/>
               </a:rPr>
-              <a:t>[1] A. Martelli, Python in a Nutshell, 2nd ed., O'Reilly Media, 2017.</a:t>
+              <a:t>[1] Cervantes, M. de. (1605). Don Quijote de la Mancha.</a:t>
             </a:r>
           </a:p>
         </p:txBody>
@@ -4799,7 +4799,7 @@
                 </a:solidFill>
                 <a:latin typeface="Open Sans Bold"/>
               </a:rPr>
-              <a:t>Por qué no lo ordené</a:t>
+              <a:t>Ordenamiento</a:t>
             </a:r>
           </a:p>
         </p:txBody>
@@ -5574,7 +5574,7 @@
         </p:nvGrpSpPr>
         <p:grpSpPr>
           <a:xfrm rot="0">
-            <a:off x="1028700" y="1028700"/>
+            <a:off x="893360" y="1064572"/>
             <a:ext cx="16230600" cy="8229600"/>
             <a:chOff x="0" y="0"/>
             <a:chExt cx="4274726" cy="2167467"/>
@@ -5657,55 +5657,9 @@
           </p:txBody>
         </p:sp>
       </p:grpSp>
-      <p:sp>
-        <p:nvSpPr>
-          <p:cNvPr name="Freeform 11" id="11"/>
-          <p:cNvSpPr/>
-          <p:nvPr/>
-        </p:nvSpPr>
-        <p:spPr>
-          <a:xfrm flipH="false" flipV="false" rot="0">
-            <a:off x="1090432" y="3907674"/>
-            <a:ext cx="6478438" cy="3317929"/>
-          </a:xfrm>
-          <a:custGeom>
-            <a:avLst/>
-            <a:gdLst/>
-            <a:ahLst/>
-            <a:cxnLst/>
-            <a:rect r="r" b="b" t="t" l="l"/>
-            <a:pathLst>
-              <a:path h="3317929" w="6478438">
-                <a:moveTo>
-                  <a:pt x="0" y="0"/>
-                </a:moveTo>
-                <a:lnTo>
-                  <a:pt x="6478437" y="0"/>
-                </a:lnTo>
-                <a:lnTo>
-                  <a:pt x="6478437" y="3317929"/>
-                </a:lnTo>
-                <a:lnTo>
-                  <a:pt x="0" y="3317929"/>
-                </a:lnTo>
-                <a:lnTo>
-                  <a:pt x="0" y="0"/>
-                </a:lnTo>
-                <a:close/>
-              </a:path>
-            </a:pathLst>
-          </a:custGeom>
-          <a:blipFill>
-            <a:blip r:embed="rId8"/>
-            <a:stretch>
-              <a:fillRect l="0" t="0" r="0" b="0"/>
-            </a:stretch>
-          </a:blipFill>
-        </p:spPr>
-      </p:sp>
       <p:grpSp>
         <p:nvGrpSpPr>
-          <p:cNvPr name="Group 12" id="12"/>
+          <p:cNvPr name="Group 11" id="11"/>
           <p:cNvGrpSpPr/>
           <p:nvPr/>
         </p:nvGrpSpPr>
@@ -5719,7 +5673,7 @@
         </p:grpSpPr>
         <p:sp>
           <p:nvSpPr>
-            <p:cNvPr name="Freeform 13" id="13"/>
+            <p:cNvPr name="Freeform 12" id="12"/>
             <p:cNvSpPr/>
             <p:nvPr/>
           </p:nvSpPr>
@@ -5771,7 +5725,7 @@
         </p:sp>
         <p:sp>
           <p:nvSpPr>
-            <p:cNvPr name="TextBox 14" id="14"/>
+            <p:cNvPr name="TextBox 13" id="13"/>
             <p:cNvSpPr txBox="true"/>
             <p:nvPr/>
           </p:nvSpPr>
@@ -5799,14 +5753,14 @@
       </p:grpSp>
       <p:sp>
         <p:nvSpPr>
-          <p:cNvPr name="Freeform 15" id="15"/>
+          <p:cNvPr name="Freeform 14" id="14"/>
           <p:cNvSpPr/>
           <p:nvPr/>
         </p:nvSpPr>
         <p:spPr>
           <a:xfrm flipH="false" flipV="false" rot="0">
-            <a:off x="9953931" y="3907674"/>
-            <a:ext cx="7059143" cy="3241633"/>
+            <a:off x="1225553" y="3503073"/>
+            <a:ext cx="6244007" cy="4454679"/>
           </a:xfrm>
           <a:custGeom>
             <a:avLst/>
@@ -5815,18 +5769,64 @@
             <a:cxnLst/>
             <a:rect r="r" b="b" t="t" l="l"/>
             <a:pathLst>
-              <a:path h="3241633" w="7059143">
+              <a:path h="4454679" w="6244007">
                 <a:moveTo>
                   <a:pt x="0" y="0"/>
                 </a:moveTo>
                 <a:lnTo>
-                  <a:pt x="7059144" y="0"/>
-                </a:lnTo>
-                <a:lnTo>
-                  <a:pt x="7059144" y="3241633"/>
-                </a:lnTo>
-                <a:lnTo>
-                  <a:pt x="0" y="3241633"/>
+                  <a:pt x="6244006" y="0"/>
+                </a:lnTo>
+                <a:lnTo>
+                  <a:pt x="6244006" y="4454679"/>
+                </a:lnTo>
+                <a:lnTo>
+                  <a:pt x="0" y="4454679"/>
+                </a:lnTo>
+                <a:lnTo>
+                  <a:pt x="0" y="0"/>
+                </a:lnTo>
+                <a:close/>
+              </a:path>
+            </a:pathLst>
+          </a:custGeom>
+          <a:blipFill>
+            <a:blip r:embed="rId8"/>
+            <a:stretch>
+              <a:fillRect l="0" t="0" r="0" b="0"/>
+            </a:stretch>
+          </a:blipFill>
+        </p:spPr>
+      </p:sp>
+      <p:sp>
+        <p:nvSpPr>
+          <p:cNvPr name="Freeform 15" id="15"/>
+          <p:cNvSpPr/>
+          <p:nvPr/>
+        </p:nvSpPr>
+        <p:spPr>
+          <a:xfrm flipH="false" flipV="false" rot="0">
+            <a:off x="9999748" y="3945028"/>
+            <a:ext cx="7003882" cy="3243222"/>
+          </a:xfrm>
+          <a:custGeom>
+            <a:avLst/>
+            <a:gdLst/>
+            <a:ahLst/>
+            <a:cxnLst/>
+            <a:rect r="r" b="b" t="t" l="l"/>
+            <a:pathLst>
+              <a:path h="3243222" w="7003882">
+                <a:moveTo>
+                  <a:pt x="0" y="0"/>
+                </a:moveTo>
+                <a:lnTo>
+                  <a:pt x="7003882" y="0"/>
+                </a:lnTo>
+                <a:lnTo>
+                  <a:pt x="7003882" y="3243222"/>
+                </a:lnTo>
+                <a:lnTo>
+                  <a:pt x="0" y="3243222"/>
                 </a:lnTo>
                 <a:lnTo>
                   <a:pt x="0" y="0"/>
@@ -5889,7 +5889,7 @@
         </p:nvSpPr>
         <p:spPr>
           <a:xfrm rot="0">
-            <a:off x="2533490" y="2027858"/>
+            <a:off x="2453270" y="2027858"/>
             <a:ext cx="13626764" cy="1180465"/>
           </a:xfrm>
           <a:prstGeom prst="rect">
@@ -5914,7 +5914,7 @@
                 </a:solidFill>
                 <a:latin typeface="Open Sans"/>
               </a:rPr>
-              <a:t>Del capitulo uno del libro Don Quijote, eliminé puntos, comas, etc. Volví todo el texto a minúsculas</a:t>
+              <a:t>Utilicé los 4 primeros capítulos de Don Quijote, eliminé símbolos y transformé todo a minúsculas. El resultado final lo guardé.</a:t>
             </a:r>
           </a:p>
         </p:txBody>
@@ -5945,6 +5945,82 @@
                 <a:spcPts val="4759"/>
               </a:lnSpc>
             </a:pPr>
+          </a:p>
+        </p:txBody>
+      </p:sp>
+      <p:sp>
+        <p:nvSpPr>
+          <p:cNvPr name="TextBox 19" id="19"/>
+          <p:cNvSpPr txBox="true"/>
+          <p:nvPr/>
+        </p:nvSpPr>
+        <p:spPr>
+          <a:xfrm rot="0">
+            <a:off x="3384409" y="8053905"/>
+            <a:ext cx="1267709" cy="401297"/>
+          </a:xfrm>
+          <a:prstGeom prst="rect">
+            <a:avLst/>
+          </a:prstGeom>
+        </p:spPr>
+        <p:txBody>
+          <a:bodyPr anchor="t" rtlCol="false" tIns="0" lIns="0" bIns="0" rIns="0">
+            <a:spAutoFit/>
+          </a:bodyPr>
+          <a:lstStyle/>
+          <a:p>
+            <a:pPr algn="ctr">
+              <a:lnSpc>
+                <a:spcPts val="3365"/>
+              </a:lnSpc>
+            </a:pPr>
+            <a:r>
+              <a:rPr lang="en-US" sz="2403">
+                <a:solidFill>
+                  <a:srgbClr val="000000"/>
+                </a:solidFill>
+                <a:latin typeface="Open Sans"/>
+              </a:rPr>
+              <a:t>Limpieza</a:t>
+            </a:r>
+          </a:p>
+        </p:txBody>
+      </p:sp>
+      <p:sp>
+        <p:nvSpPr>
+          <p:cNvPr name="TextBox 20" id="20"/>
+          <p:cNvSpPr txBox="true"/>
+          <p:nvPr/>
+        </p:nvSpPr>
+        <p:spPr>
+          <a:xfrm rot="0">
+            <a:off x="12564692" y="7320571"/>
+            <a:ext cx="1873995" cy="401297"/>
+          </a:xfrm>
+          <a:prstGeom prst="rect">
+            <a:avLst/>
+          </a:prstGeom>
+        </p:spPr>
+        <p:txBody>
+          <a:bodyPr anchor="t" rtlCol="false" tIns="0" lIns="0" bIns="0" rIns="0">
+            <a:spAutoFit/>
+          </a:bodyPr>
+          <a:lstStyle/>
+          <a:p>
+            <a:pPr algn="ctr">
+              <a:lnSpc>
+                <a:spcPts val="3365"/>
+              </a:lnSpc>
+            </a:pPr>
+            <a:r>
+              <a:rPr lang="en-US" sz="2403">
+                <a:solidFill>
+                  <a:srgbClr val="000000"/>
+                </a:solidFill>
+                <a:latin typeface="Open Sans"/>
+              </a:rPr>
+              <a:t>Resultado [1]</a:t>
+            </a:r>
           </a:p>
         </p:txBody>
       </p:sp>
@@ -6394,8 +6470,8 @@
         </p:nvSpPr>
         <p:spPr>
           <a:xfrm flipH="false" flipV="false" rot="0">
-            <a:off x="9662848" y="4677534"/>
-            <a:ext cx="7596452" cy="3302214"/>
+            <a:off x="2335783" y="5922596"/>
+            <a:ext cx="4488423" cy="3180705"/>
           </a:xfrm>
           <a:custGeom>
             <a:avLst/>
@@ -6404,18 +6480,18 @@
             <a:cxnLst/>
             <a:rect r="r" b="b" t="t" l="l"/>
             <a:pathLst>
-              <a:path h="3302214" w="7596452">
+              <a:path h="3180705" w="4488423">
                 <a:moveTo>
                   <a:pt x="0" y="0"/>
                 </a:moveTo>
                 <a:lnTo>
-                  <a:pt x="7596452" y="0"/>
-                </a:lnTo>
-                <a:lnTo>
-                  <a:pt x="7596452" y="3302214"/>
-                </a:lnTo>
-                <a:lnTo>
-                  <a:pt x="0" y="3302214"/>
+                  <a:pt x="4488423" y="0"/>
+                </a:lnTo>
+                <a:lnTo>
+                  <a:pt x="4488423" y="3180706"/>
+                </a:lnTo>
+                <a:lnTo>
+                  <a:pt x="0" y="3180706"/>
                 </a:lnTo>
                 <a:lnTo>
                   <a:pt x="0" y="0"/>
@@ -6440,8 +6516,8 @@
         </p:nvSpPr>
         <p:spPr>
           <a:xfrm flipH="false" flipV="false" rot="0">
-            <a:off x="654951" y="3589482"/>
-            <a:ext cx="7216856" cy="2910502"/>
+            <a:off x="972706" y="3589482"/>
+            <a:ext cx="7214576" cy="1815490"/>
           </a:xfrm>
           <a:custGeom>
             <a:avLst/>
@@ -6450,18 +6526,18 @@
             <a:cxnLst/>
             <a:rect r="r" b="b" t="t" l="l"/>
             <a:pathLst>
-              <a:path h="2910502" w="7216856">
+              <a:path h="1815490" w="7214576">
                 <a:moveTo>
                   <a:pt x="0" y="0"/>
                 </a:moveTo>
                 <a:lnTo>
-                  <a:pt x="7216856" y="0"/>
-                </a:lnTo>
-                <a:lnTo>
-                  <a:pt x="7216856" y="2910502"/>
-                </a:lnTo>
-                <a:lnTo>
-                  <a:pt x="0" y="2910502"/>
+                  <a:pt x="7214576" y="0"/>
+                </a:lnTo>
+                <a:lnTo>
+                  <a:pt x="7214576" y="1815490"/>
+                </a:lnTo>
+                <a:lnTo>
+                  <a:pt x="0" y="1815490"/>
                 </a:lnTo>
                 <a:lnTo>
                   <a:pt x="0" y="0"/>
@@ -6473,7 +6549,7 @@
           <a:blipFill>
             <a:blip r:embed="rId9"/>
             <a:stretch>
-              <a:fillRect l="0" t="0" r="0" b="0"/>
+              <a:fillRect l="0" t="0" r="-46500" b="0"/>
             </a:stretch>
           </a:blipFill>
         </p:spPr>
@@ -6486,8 +6562,8 @@
         </p:nvSpPr>
         <p:spPr>
           <a:xfrm flipH="false" flipV="false" rot="0">
-            <a:off x="1028700" y="7062345"/>
-            <a:ext cx="5508070" cy="2452812"/>
+            <a:off x="9756510" y="3821388"/>
+            <a:ext cx="7921555" cy="4202417"/>
           </a:xfrm>
           <a:custGeom>
             <a:avLst/>
@@ -6496,18 +6572,18 @@
             <a:cxnLst/>
             <a:rect r="r" b="b" t="t" l="l"/>
             <a:pathLst>
-              <a:path h="2452812" w="5508070">
+              <a:path h="4202417" w="7921555">
                 <a:moveTo>
                   <a:pt x="0" y="0"/>
                 </a:moveTo>
                 <a:lnTo>
-                  <a:pt x="5508070" y="0"/>
-                </a:lnTo>
-                <a:lnTo>
-                  <a:pt x="5508070" y="2452813"/>
-                </a:lnTo>
-                <a:lnTo>
-                  <a:pt x="0" y="2452813"/>
+                  <a:pt x="7921555" y="0"/>
+                </a:lnTo>
+                <a:lnTo>
+                  <a:pt x="7921555" y="4202416"/>
+                </a:lnTo>
+                <a:lnTo>
+                  <a:pt x="0" y="4202416"/>
                 </a:lnTo>
                 <a:lnTo>
                   <a:pt x="0" y="0"/>
@@ -6604,7 +6680,7 @@
                 </a:solidFill>
                 <a:latin typeface="Open Sans"/>
               </a:rPr>
-              <a:t>Importé la librería “Threading” de Python para hacer la paralelización, cree 3 hilos, dividí el contenido y ejecute mi función map en cada hilo</a:t>
+              <a:t>Importé la librería “Threading” de Python simular la paralelización, cree 4 hilos, dividí el contenido y ejecute mi función map en cada hilo</a:t>
             </a:r>
           </a:p>
         </p:txBody>
@@ -6617,36 +6693,7 @@
         </p:nvSpPr>
         <p:spPr>
           <a:xfrm rot="0">
-            <a:off x="1028700" y="9191625"/>
-            <a:ext cx="16230600" cy="580390"/>
-          </a:xfrm>
-          <a:prstGeom prst="rect">
-            <a:avLst/>
-          </a:prstGeom>
-        </p:spPr>
-        <p:txBody>
-          <a:bodyPr anchor="t" rtlCol="false" tIns="0" lIns="0" bIns="0" rIns="0">
-            <a:spAutoFit/>
-          </a:bodyPr>
-          <a:lstStyle/>
-          <a:p>
-            <a:pPr algn="ctr">
-              <a:lnSpc>
-                <a:spcPts val="4759"/>
-              </a:lnSpc>
-            </a:pPr>
-          </a:p>
-        </p:txBody>
-      </p:sp>
-      <p:sp>
-        <p:nvSpPr>
-          <p:cNvPr name="TextBox 17" id="17"/>
-          <p:cNvSpPr txBox="true"/>
-          <p:nvPr/>
-        </p:nvSpPr>
-        <p:spPr>
-          <a:xfrm rot="0">
-            <a:off x="10674529" y="8103573"/>
+            <a:off x="11378109" y="8025330"/>
             <a:ext cx="4782145" cy="580390"/>
           </a:xfrm>
           <a:prstGeom prst="rect">
@@ -6678,14 +6725,14 @@
       </p:sp>
       <p:sp>
         <p:nvSpPr>
-          <p:cNvPr name="TextBox 18" id="18"/>
+          <p:cNvPr name="TextBox 17" id="17"/>
           <p:cNvSpPr txBox="true"/>
           <p:nvPr/>
         </p:nvSpPr>
         <p:spPr>
           <a:xfrm rot="0">
-            <a:off x="1557308" y="6433309"/>
-            <a:ext cx="4450854" cy="580390"/>
+            <a:off x="2724274" y="9255702"/>
+            <a:ext cx="3223962" cy="410208"/>
           </a:xfrm>
           <a:prstGeom prst="rect">
             <a:avLst/>
@@ -6699,11 +6746,11 @@
           <a:p>
             <a:pPr algn="ctr">
               <a:lnSpc>
-                <a:spcPts val="4759"/>
+                <a:spcPts val="3447"/>
               </a:lnSpc>
             </a:pPr>
             <a:r>
-              <a:rPr lang="en-US" sz="3399">
+              <a:rPr lang="en-US" sz="2462">
                 <a:solidFill>
                   <a:srgbClr val="000000"/>
                 </a:solidFill>
@@ -6716,14 +6763,14 @@
       </p:sp>
       <p:sp>
         <p:nvSpPr>
-          <p:cNvPr name="TextBox 19" id="19"/>
+          <p:cNvPr name="TextBox 18" id="18"/>
           <p:cNvSpPr txBox="true"/>
           <p:nvPr/>
         </p:nvSpPr>
         <p:spPr>
           <a:xfrm rot="0">
-            <a:off x="2445078" y="9448483"/>
-            <a:ext cx="2600176" cy="580390"/>
+            <a:off x="3417092" y="5452597"/>
+            <a:ext cx="1838325" cy="401297"/>
           </a:xfrm>
           <a:prstGeom prst="rect">
             <a:avLst/>
@@ -6737,11 +6784,11 @@
           <a:p>
             <a:pPr algn="ctr">
               <a:lnSpc>
-                <a:spcPts val="4759"/>
+                <a:spcPts val="3365"/>
               </a:lnSpc>
             </a:pPr>
             <a:r>
-              <a:rPr lang="en-US" sz="3399">
+              <a:rPr lang="en-US" sz="2403">
                 <a:solidFill>
                   <a:srgbClr val="000000"/>
                 </a:solidFill>
@@ -6761,1261 +6808,6 @@
 </file>
 
 <file path=ppt/slides/slide5.xml><?xml version="1.0" encoding="utf-8"?>
-<p:sld xmlns:p="http://schemas.openxmlformats.org/presentationml/2006/main" xmlns:a="http://schemas.openxmlformats.org/drawingml/2006/main" xmlns:r="http://schemas.openxmlformats.org/officeDocument/2006/relationships">
-  <p:cSld>
-    <p:bg>
-      <p:bgPr>
-        <a:solidFill>
-          <a:srgbClr val="FFF8E9"/>
-        </a:solidFill>
-      </p:bgPr>
-    </p:bg>
-    <p:spTree>
-      <p:nvGrpSpPr>
-        <p:cNvPr id="1" name=""/>
-        <p:cNvGrpSpPr/>
-        <p:nvPr/>
-      </p:nvGrpSpPr>
-      <p:grpSpPr>
-        <a:xfrm>
-          <a:off x="0" y="0"/>
-          <a:ext cx="0" cy="0"/>
-          <a:chOff x="0" y="0"/>
-          <a:chExt cx="0" cy="0"/>
-        </a:xfrm>
-      </p:grpSpPr>
-      <p:sp>
-        <p:nvSpPr>
-          <p:cNvPr name="Freeform 2" id="2"/>
-          <p:cNvSpPr/>
-          <p:nvPr/>
-        </p:nvSpPr>
-        <p:spPr>
-          <a:xfrm flipH="false" flipV="false" rot="0">
-            <a:off x="-1466780" y="9039635"/>
-            <a:ext cx="6722198" cy="6172200"/>
-          </a:xfrm>
-          <a:custGeom>
-            <a:avLst/>
-            <a:gdLst/>
-            <a:ahLst/>
-            <a:cxnLst/>
-            <a:rect r="r" b="b" t="t" l="l"/>
-            <a:pathLst>
-              <a:path h="6172200" w="6722198">
-                <a:moveTo>
-                  <a:pt x="0" y="0"/>
-                </a:moveTo>
-                <a:lnTo>
-                  <a:pt x="6722198" y="0"/>
-                </a:lnTo>
-                <a:lnTo>
-                  <a:pt x="6722198" y="6172200"/>
-                </a:lnTo>
-                <a:lnTo>
-                  <a:pt x="0" y="6172200"/>
-                </a:lnTo>
-                <a:lnTo>
-                  <a:pt x="0" y="0"/>
-                </a:lnTo>
-                <a:close/>
-              </a:path>
-            </a:pathLst>
-          </a:custGeom>
-          <a:blipFill>
-            <a:blip r:embed="rId2">
-              <a:extLst>
-                <a:ext uri="{96DAC541-7B7A-43D3-8B79-37D633B846F1}">
-                  <asvg:svgBlip xmlns:asvg="http://schemas.microsoft.com/office/drawing/2016/SVG/main" r:embed="rId3"/>
-                </a:ext>
-              </a:extLst>
-            </a:blip>
-            <a:stretch>
-              <a:fillRect l="0" t="0" r="0" b="0"/>
-            </a:stretch>
-          </a:blipFill>
-        </p:spPr>
-      </p:sp>
-      <p:sp>
-        <p:nvSpPr>
-          <p:cNvPr name="Freeform 3" id="3"/>
-          <p:cNvSpPr/>
-          <p:nvPr/>
-        </p:nvSpPr>
-        <p:spPr>
-          <a:xfrm flipH="false" flipV="false" rot="0">
-            <a:off x="-3324881" y="7540269"/>
-            <a:ext cx="4985647" cy="5303879"/>
-          </a:xfrm>
-          <a:custGeom>
-            <a:avLst/>
-            <a:gdLst/>
-            <a:ahLst/>
-            <a:cxnLst/>
-            <a:rect r="r" b="b" t="t" l="l"/>
-            <a:pathLst>
-              <a:path h="5303879" w="4985647">
-                <a:moveTo>
-                  <a:pt x="0" y="0"/>
-                </a:moveTo>
-                <a:lnTo>
-                  <a:pt x="4985647" y="0"/>
-                </a:lnTo>
-                <a:lnTo>
-                  <a:pt x="4985647" y="5303879"/>
-                </a:lnTo>
-                <a:lnTo>
-                  <a:pt x="0" y="5303879"/>
-                </a:lnTo>
-                <a:lnTo>
-                  <a:pt x="0" y="0"/>
-                </a:lnTo>
-                <a:close/>
-              </a:path>
-            </a:pathLst>
-          </a:custGeom>
-          <a:blipFill>
-            <a:blip r:embed="rId4">
-              <a:extLst>
-                <a:ext uri="{96DAC541-7B7A-43D3-8B79-37D633B846F1}">
-                  <asvg:svgBlip xmlns:asvg="http://schemas.microsoft.com/office/drawing/2016/SVG/main" r:embed="rId5"/>
-                </a:ext>
-              </a:extLst>
-            </a:blip>
-            <a:stretch>
-              <a:fillRect l="0" t="0" r="0" b="0"/>
-            </a:stretch>
-          </a:blipFill>
-        </p:spPr>
-      </p:sp>
-      <p:sp>
-        <p:nvSpPr>
-          <p:cNvPr name="Freeform 4" id="4"/>
-          <p:cNvSpPr/>
-          <p:nvPr/>
-        </p:nvSpPr>
-        <p:spPr>
-          <a:xfrm flipH="true" flipV="false" rot="0">
-            <a:off x="10120078" y="8092005"/>
-            <a:ext cx="12080352" cy="7094461"/>
-          </a:xfrm>
-          <a:custGeom>
-            <a:avLst/>
-            <a:gdLst/>
-            <a:ahLst/>
-            <a:cxnLst/>
-            <a:rect r="r" b="b" t="t" l="l"/>
-            <a:pathLst>
-              <a:path h="7094461" w="12080352">
-                <a:moveTo>
-                  <a:pt x="12080352" y="0"/>
-                </a:moveTo>
-                <a:lnTo>
-                  <a:pt x="0" y="0"/>
-                </a:lnTo>
-                <a:lnTo>
-                  <a:pt x="0" y="7094462"/>
-                </a:lnTo>
-                <a:lnTo>
-                  <a:pt x="12080352" y="7094462"/>
-                </a:lnTo>
-                <a:lnTo>
-                  <a:pt x="12080352" y="0"/>
-                </a:lnTo>
-                <a:close/>
-              </a:path>
-            </a:pathLst>
-          </a:custGeom>
-          <a:blipFill>
-            <a:blip r:embed="rId6">
-              <a:extLst>
-                <a:ext uri="{96DAC541-7B7A-43D3-8B79-37D633B846F1}">
-                  <asvg:svgBlip xmlns:asvg="http://schemas.microsoft.com/office/drawing/2016/SVG/main" r:embed="rId7"/>
-                </a:ext>
-              </a:extLst>
-            </a:blip>
-            <a:stretch>
-              <a:fillRect l="0" t="0" r="0" b="0"/>
-            </a:stretch>
-          </a:blipFill>
-        </p:spPr>
-      </p:sp>
-      <p:sp>
-        <p:nvSpPr>
-          <p:cNvPr name="Freeform 5" id="5"/>
-          <p:cNvSpPr/>
-          <p:nvPr/>
-        </p:nvSpPr>
-        <p:spPr>
-          <a:xfrm flipH="false" flipV="true" rot="0">
-            <a:off x="-3506686" y="-4891937"/>
-            <a:ext cx="12080352" cy="7094461"/>
-          </a:xfrm>
-          <a:custGeom>
-            <a:avLst/>
-            <a:gdLst/>
-            <a:ahLst/>
-            <a:cxnLst/>
-            <a:rect r="r" b="b" t="t" l="l"/>
-            <a:pathLst>
-              <a:path h="7094461" w="12080352">
-                <a:moveTo>
-                  <a:pt x="0" y="7094462"/>
-                </a:moveTo>
-                <a:lnTo>
-                  <a:pt x="12080352" y="7094462"/>
-                </a:lnTo>
-                <a:lnTo>
-                  <a:pt x="12080352" y="0"/>
-                </a:lnTo>
-                <a:lnTo>
-                  <a:pt x="0" y="0"/>
-                </a:lnTo>
-                <a:lnTo>
-                  <a:pt x="0" y="7094462"/>
-                </a:lnTo>
-                <a:close/>
-              </a:path>
-            </a:pathLst>
-          </a:custGeom>
-          <a:blipFill>
-            <a:blip r:embed="rId6">
-              <a:extLst>
-                <a:ext uri="{96DAC541-7B7A-43D3-8B79-37D633B846F1}">
-                  <asvg:svgBlip xmlns:asvg="http://schemas.microsoft.com/office/drawing/2016/SVG/main" r:embed="rId7"/>
-                </a:ext>
-              </a:extLst>
-            </a:blip>
-            <a:stretch>
-              <a:fillRect l="0" t="0" r="0" b="0"/>
-            </a:stretch>
-          </a:blipFill>
-        </p:spPr>
-      </p:sp>
-      <p:sp>
-        <p:nvSpPr>
-          <p:cNvPr name="Freeform 6" id="6"/>
-          <p:cNvSpPr/>
-          <p:nvPr/>
-        </p:nvSpPr>
-        <p:spPr>
-          <a:xfrm flipH="false" flipV="false" rot="0">
-            <a:off x="15804664" y="-4239307"/>
-            <a:ext cx="6722198" cy="6172200"/>
-          </a:xfrm>
-          <a:custGeom>
-            <a:avLst/>
-            <a:gdLst/>
-            <a:ahLst/>
-            <a:cxnLst/>
-            <a:rect r="r" b="b" t="t" l="l"/>
-            <a:pathLst>
-              <a:path h="6172200" w="6722198">
-                <a:moveTo>
-                  <a:pt x="0" y="0"/>
-                </a:moveTo>
-                <a:lnTo>
-                  <a:pt x="6722198" y="0"/>
-                </a:lnTo>
-                <a:lnTo>
-                  <a:pt x="6722198" y="6172200"/>
-                </a:lnTo>
-                <a:lnTo>
-                  <a:pt x="0" y="6172200"/>
-                </a:lnTo>
-                <a:lnTo>
-                  <a:pt x="0" y="0"/>
-                </a:lnTo>
-                <a:close/>
-              </a:path>
-            </a:pathLst>
-          </a:custGeom>
-          <a:blipFill>
-            <a:blip r:embed="rId2">
-              <a:extLst>
-                <a:ext uri="{96DAC541-7B7A-43D3-8B79-37D633B846F1}">
-                  <asvg:svgBlip xmlns:asvg="http://schemas.microsoft.com/office/drawing/2016/SVG/main" r:embed="rId3"/>
-                </a:ext>
-              </a:extLst>
-            </a:blip>
-            <a:stretch>
-              <a:fillRect l="0" t="0" r="0" b="0"/>
-            </a:stretch>
-          </a:blipFill>
-        </p:spPr>
-      </p:sp>
-      <p:sp>
-        <p:nvSpPr>
-          <p:cNvPr name="Freeform 7" id="7"/>
-          <p:cNvSpPr/>
-          <p:nvPr/>
-        </p:nvSpPr>
-        <p:spPr>
-          <a:xfrm flipH="false" flipV="false" rot="0">
-            <a:off x="14631136" y="-4239307"/>
-            <a:ext cx="4985647" cy="5303879"/>
-          </a:xfrm>
-          <a:custGeom>
-            <a:avLst/>
-            <a:gdLst/>
-            <a:ahLst/>
-            <a:cxnLst/>
-            <a:rect r="r" b="b" t="t" l="l"/>
-            <a:pathLst>
-              <a:path h="5303879" w="4985647">
-                <a:moveTo>
-                  <a:pt x="0" y="0"/>
-                </a:moveTo>
-                <a:lnTo>
-                  <a:pt x="4985647" y="0"/>
-                </a:lnTo>
-                <a:lnTo>
-                  <a:pt x="4985647" y="5303879"/>
-                </a:lnTo>
-                <a:lnTo>
-                  <a:pt x="0" y="5303879"/>
-                </a:lnTo>
-                <a:lnTo>
-                  <a:pt x="0" y="0"/>
-                </a:lnTo>
-                <a:close/>
-              </a:path>
-            </a:pathLst>
-          </a:custGeom>
-          <a:blipFill>
-            <a:blip r:embed="rId4">
-              <a:extLst>
-                <a:ext uri="{96DAC541-7B7A-43D3-8B79-37D633B846F1}">
-                  <asvg:svgBlip xmlns:asvg="http://schemas.microsoft.com/office/drawing/2016/SVG/main" r:embed="rId5"/>
-                </a:ext>
-              </a:extLst>
-            </a:blip>
-            <a:stretch>
-              <a:fillRect l="0" t="0" r="0" b="0"/>
-            </a:stretch>
-          </a:blipFill>
-        </p:spPr>
-      </p:sp>
-      <p:sp>
-        <p:nvSpPr>
-          <p:cNvPr name="AutoShape 8" id="8"/>
-          <p:cNvSpPr/>
-          <p:nvPr/>
-        </p:nvSpPr>
-        <p:spPr>
-          <a:xfrm>
-            <a:off x="4047435" y="5488636"/>
-            <a:ext cx="1525974" cy="0"/>
-          </a:xfrm>
-          <a:prstGeom prst="line">
-            <a:avLst/>
-          </a:prstGeom>
-          <a:ln cap="flat" w="38100">
-            <a:solidFill>
-              <a:srgbClr val="000000"/>
-            </a:solidFill>
-            <a:prstDash val="solid"/>
-            <a:headEnd type="none" len="sm" w="sm"/>
-            <a:tailEnd type="arrow" len="sm" w="med"/>
-          </a:ln>
-        </p:spPr>
-      </p:sp>
-      <p:graphicFrame>
-        <p:nvGraphicFramePr>
-          <p:cNvPr name="Table 9" id="9"/>
-          <p:cNvGraphicFramePr>
-            <a:graphicFrameLocks noGrp="true"/>
-          </p:cNvGraphicFramePr>
-          <p:nvPr/>
-        </p:nvGraphicFramePr>
-        <p:xfrm>
-          <a:off x="11679984" y="4102093"/>
-          <a:ext cx="4707419" cy="4114800"/>
-        </p:xfrm>
-        <a:graphic>
-          <a:graphicData uri="http://schemas.openxmlformats.org/drawingml/2006/table">
-            <a:tbl>
-              <a:tblPr/>
-              <a:tblGrid>
-                <a:gridCol w="2465900"/>
-                <a:gridCol w="2241519"/>
-              </a:tblGrid>
-              <a:tr h="1028700">
-                <a:tc>
-                  <a:txBody>
-                    <a:bodyPr anchor="t" rtlCol="false"/>
-                    <a:lstStyle/>
-                    <a:p>
-                      <a:pPr algn="ctr">
-                        <a:lnSpc>
-                          <a:spcPts val="2520"/>
-                        </a:lnSpc>
-                        <a:defRPr/>
-                      </a:pPr>
-                      <a:r>
-                        <a:rPr lang="en-US" sz="1800">
-                          <a:solidFill>
-                            <a:srgbClr val="000000"/>
-                          </a:solidFill>
-                          <a:latin typeface="Open Sans Bold"/>
-                        </a:rPr>
-                        <a:t>617135</a:t>
-                      </a:r>
-                      <a:endParaRPr lang="en-US" sz="1100"/>
-                    </a:p>
-                  </a:txBody>
-                  <a:tcPr marL="190500" marR="190500" marT="190500" marB="190500" anchor="ctr">
-                    <a:lnL cmpd="sng" algn="ctr" cap="flat" w="38100">
-                      <a:solidFill>
-                        <a:srgbClr val="FFD699"/>
-                      </a:solidFill>
-                      <a:prstDash val="solid"/>
-                      <a:round/>
-                      <a:headEnd type="none" w="med" len="med"/>
-                      <a:tailEnd type="none" w="med" len="med"/>
-                    </a:lnL>
-                    <a:lnR cmpd="sng" algn="ctr" cap="flat" w="38100">
-                      <a:solidFill>
-                        <a:srgbClr val="FFD699"/>
-                      </a:solidFill>
-                      <a:prstDash val="solid"/>
-                      <a:round/>
-                      <a:headEnd type="none" w="med" len="med"/>
-                      <a:tailEnd type="none" w="med" len="med"/>
-                    </a:lnR>
-                    <a:lnT cmpd="sng" algn="ctr" cap="flat" w="38100">
-                      <a:solidFill>
-                        <a:srgbClr val="FFD699"/>
-                      </a:solidFill>
-                      <a:prstDash val="solid"/>
-                      <a:round/>
-                      <a:headEnd type="none" w="med" len="med"/>
-                      <a:tailEnd type="none" w="med" len="med"/>
-                    </a:lnT>
-                    <a:lnB cmpd="sng" algn="ctr" cap="flat" w="38100">
-                      <a:solidFill>
-                        <a:srgbClr val="FFD699"/>
-                      </a:solidFill>
-                      <a:prstDash val="solid"/>
-                      <a:round/>
-                      <a:headEnd type="none" w="med" len="med"/>
-                      <a:tailEnd type="none" w="med" len="med"/>
-                    </a:lnB>
-                  </a:tcPr>
-                </a:tc>
-                <a:tc>
-                  <a:txBody>
-                    <a:bodyPr anchor="t" rtlCol="false"/>
-                    <a:lstStyle/>
-                    <a:p>
-                      <a:pPr algn="ctr">
-                        <a:lnSpc>
-                          <a:spcPts val="2520"/>
-                        </a:lnSpc>
-                        <a:defRPr/>
-                      </a:pPr>
-                      <a:endParaRPr lang="en-US" sz="1100"/>
-                    </a:p>
-                  </a:txBody>
-                  <a:tcPr marL="190500" marR="190500" marT="190500" marB="190500" anchor="ctr">
-                    <a:lnL cmpd="sng" algn="ctr" cap="flat" w="38100">
-                      <a:solidFill>
-                        <a:srgbClr val="FFD699"/>
-                      </a:solidFill>
-                      <a:prstDash val="solid"/>
-                      <a:round/>
-                      <a:headEnd type="none" w="med" len="med"/>
-                      <a:tailEnd type="none" w="med" len="med"/>
-                    </a:lnL>
-                    <a:lnR cmpd="sng" algn="ctr" cap="flat" w="38100">
-                      <a:solidFill>
-                        <a:srgbClr val="FFD699"/>
-                      </a:solidFill>
-                      <a:prstDash val="solid"/>
-                      <a:round/>
-                      <a:headEnd type="none" w="med" len="med"/>
-                      <a:tailEnd type="none" w="med" len="med"/>
-                    </a:lnR>
-                    <a:lnT cmpd="sng" algn="ctr" cap="flat" w="38100">
-                      <a:solidFill>
-                        <a:srgbClr val="FFD699"/>
-                      </a:solidFill>
-                      <a:prstDash val="solid"/>
-                      <a:round/>
-                      <a:headEnd type="none" w="med" len="med"/>
-                      <a:tailEnd type="none" w="med" len="med"/>
-                    </a:lnT>
-                    <a:lnB cmpd="sng" algn="ctr" cap="flat" w="38100">
-                      <a:solidFill>
-                        <a:srgbClr val="FFD699"/>
-                      </a:solidFill>
-                      <a:prstDash val="solid"/>
-                      <a:round/>
-                      <a:headEnd type="none" w="med" len="med"/>
-                      <a:tailEnd type="none" w="med" len="med"/>
-                    </a:lnB>
-                  </a:tcPr>
-                </a:tc>
-              </a:tr>
-              <a:tr h="1028700">
-                <a:tc>
-                  <a:txBody>
-                    <a:bodyPr anchor="t" rtlCol="false"/>
-                    <a:lstStyle/>
-                    <a:p>
-                      <a:pPr algn="ctr">
-                        <a:lnSpc>
-                          <a:spcPts val="2520"/>
-                        </a:lnSpc>
-                        <a:defRPr/>
-                      </a:pPr>
-                      <a:r>
-                        <a:rPr lang="en-US" sz="1800">
-                          <a:solidFill>
-                            <a:srgbClr val="000000"/>
-                          </a:solidFill>
-                          <a:latin typeface="Open Sans Bold"/>
-                        </a:rPr>
-                        <a:t>617136</a:t>
-                      </a:r>
-                      <a:endParaRPr lang="en-US" sz="1100"/>
-                    </a:p>
-                  </a:txBody>
-                  <a:tcPr marL="190500" marR="190500" marT="190500" marB="190500" anchor="ctr">
-                    <a:lnL cmpd="sng" algn="ctr" cap="flat" w="38100">
-                      <a:solidFill>
-                        <a:srgbClr val="FFD699"/>
-                      </a:solidFill>
-                      <a:prstDash val="solid"/>
-                      <a:round/>
-                      <a:headEnd type="none" w="med" len="med"/>
-                      <a:tailEnd type="none" w="med" len="med"/>
-                    </a:lnL>
-                    <a:lnR cmpd="sng" algn="ctr" cap="flat" w="38100">
-                      <a:solidFill>
-                        <a:srgbClr val="FFD699"/>
-                      </a:solidFill>
-                      <a:prstDash val="solid"/>
-                      <a:round/>
-                      <a:headEnd type="none" w="med" len="med"/>
-                      <a:tailEnd type="none" w="med" len="med"/>
-                    </a:lnR>
-                    <a:lnT cmpd="sng" algn="ctr" cap="flat" w="38100">
-                      <a:solidFill>
-                        <a:srgbClr val="FFD699"/>
-                      </a:solidFill>
-                      <a:prstDash val="solid"/>
-                      <a:round/>
-                      <a:headEnd type="none" w="med" len="med"/>
-                      <a:tailEnd type="none" w="med" len="med"/>
-                    </a:lnT>
-                    <a:lnB cmpd="sng" algn="ctr" cap="flat" w="38100">
-                      <a:solidFill>
-                        <a:srgbClr val="FFD699"/>
-                      </a:solidFill>
-                      <a:prstDash val="solid"/>
-                      <a:round/>
-                      <a:headEnd type="none" w="med" len="med"/>
-                      <a:tailEnd type="none" w="med" len="med"/>
-                    </a:lnB>
-                  </a:tcPr>
-                </a:tc>
-                <a:tc>
-                  <a:txBody>
-                    <a:bodyPr anchor="t" rtlCol="false"/>
-                    <a:lstStyle/>
-                    <a:p>
-                      <a:pPr algn="ctr">
-                        <a:lnSpc>
-                          <a:spcPts val="2520"/>
-                        </a:lnSpc>
-                        <a:defRPr/>
-                      </a:pPr>
-                      <a:endParaRPr lang="en-US" sz="1100"/>
-                    </a:p>
-                  </a:txBody>
-                  <a:tcPr marL="190500" marR="190500" marT="190500" marB="190500" anchor="ctr">
-                    <a:lnL cmpd="sng" algn="ctr" cap="flat" w="38100">
-                      <a:solidFill>
-                        <a:srgbClr val="FFD699"/>
-                      </a:solidFill>
-                      <a:prstDash val="solid"/>
-                      <a:round/>
-                      <a:headEnd type="none" w="med" len="med"/>
-                      <a:tailEnd type="none" w="med" len="med"/>
-                    </a:lnL>
-                    <a:lnR cmpd="sng" algn="ctr" cap="flat" w="38100">
-                      <a:solidFill>
-                        <a:srgbClr val="FFD699"/>
-                      </a:solidFill>
-                      <a:prstDash val="solid"/>
-                      <a:round/>
-                      <a:headEnd type="none" w="med" len="med"/>
-                      <a:tailEnd type="none" w="med" len="med"/>
-                    </a:lnR>
-                    <a:lnT cmpd="sng" algn="ctr" cap="flat" w="38100">
-                      <a:solidFill>
-                        <a:srgbClr val="FFD699"/>
-                      </a:solidFill>
-                      <a:prstDash val="solid"/>
-                      <a:round/>
-                      <a:headEnd type="none" w="med" len="med"/>
-                      <a:tailEnd type="none" w="med" len="med"/>
-                    </a:lnT>
-                    <a:lnB cmpd="sng" algn="ctr" cap="flat" w="38100">
-                      <a:solidFill>
-                        <a:srgbClr val="FFD699"/>
-                      </a:solidFill>
-                      <a:prstDash val="solid"/>
-                      <a:round/>
-                      <a:headEnd type="none" w="med" len="med"/>
-                      <a:tailEnd type="none" w="med" len="med"/>
-                    </a:lnB>
-                  </a:tcPr>
-                </a:tc>
-              </a:tr>
-              <a:tr h="1028700">
-                <a:tc>
-                  <a:txBody>
-                    <a:bodyPr anchor="t" rtlCol="false"/>
-                    <a:lstStyle/>
-                    <a:p>
-                      <a:pPr algn="ctr">
-                        <a:lnSpc>
-                          <a:spcPts val="2520"/>
-                        </a:lnSpc>
-                        <a:defRPr/>
-                      </a:pPr>
-                      <a:r>
-                        <a:rPr lang="en-US" sz="1800">
-                          <a:solidFill>
-                            <a:srgbClr val="000000"/>
-                          </a:solidFill>
-                          <a:latin typeface="Open Sans Bold"/>
-                        </a:rPr>
-                        <a:t>617137</a:t>
-                      </a:r>
-                      <a:endParaRPr lang="en-US" sz="1100"/>
-                    </a:p>
-                  </a:txBody>
-                  <a:tcPr marL="190500" marR="190500" marT="190500" marB="190500" anchor="ctr">
-                    <a:lnL cmpd="sng" algn="ctr" cap="flat" w="38100">
-                      <a:solidFill>
-                        <a:srgbClr val="FFD699"/>
-                      </a:solidFill>
-                      <a:prstDash val="solid"/>
-                      <a:round/>
-                      <a:headEnd type="none" w="med" len="med"/>
-                      <a:tailEnd type="none" w="med" len="med"/>
-                    </a:lnL>
-                    <a:lnR cmpd="sng" algn="ctr" cap="flat" w="38100">
-                      <a:solidFill>
-                        <a:srgbClr val="FFD699"/>
-                      </a:solidFill>
-                      <a:prstDash val="solid"/>
-                      <a:round/>
-                      <a:headEnd type="none" w="med" len="med"/>
-                      <a:tailEnd type="none" w="med" len="med"/>
-                    </a:lnR>
-                    <a:lnT cmpd="sng" algn="ctr" cap="flat" w="38100">
-                      <a:solidFill>
-                        <a:srgbClr val="FFD699"/>
-                      </a:solidFill>
-                      <a:prstDash val="solid"/>
-                      <a:round/>
-                      <a:headEnd type="none" w="med" len="med"/>
-                      <a:tailEnd type="none" w="med" len="med"/>
-                    </a:lnT>
-                    <a:lnB cmpd="sng" algn="ctr" cap="flat" w="38100">
-                      <a:solidFill>
-                        <a:srgbClr val="FFD699"/>
-                      </a:solidFill>
-                      <a:prstDash val="solid"/>
-                      <a:round/>
-                      <a:headEnd type="none" w="med" len="med"/>
-                      <a:tailEnd type="none" w="med" len="med"/>
-                    </a:lnB>
-                  </a:tcPr>
-                </a:tc>
-                <a:tc>
-                  <a:txBody>
-                    <a:bodyPr anchor="t" rtlCol="false"/>
-                    <a:lstStyle/>
-                    <a:p>
-                      <a:pPr algn="ctr">
-                        <a:lnSpc>
-                          <a:spcPts val="2520"/>
-                        </a:lnSpc>
-                        <a:defRPr/>
-                      </a:pPr>
-                      <a:endParaRPr lang="en-US" sz="1100"/>
-                    </a:p>
-                  </a:txBody>
-                  <a:tcPr marL="190500" marR="190500" marT="190500" marB="190500" anchor="ctr">
-                    <a:lnL cmpd="sng" algn="ctr" cap="flat" w="38100">
-                      <a:solidFill>
-                        <a:srgbClr val="FFD699"/>
-                      </a:solidFill>
-                      <a:prstDash val="solid"/>
-                      <a:round/>
-                      <a:headEnd type="none" w="med" len="med"/>
-                      <a:tailEnd type="none" w="med" len="med"/>
-                    </a:lnL>
-                    <a:lnR cmpd="sng" algn="ctr" cap="flat" w="38100">
-                      <a:solidFill>
-                        <a:srgbClr val="FFD699"/>
-                      </a:solidFill>
-                      <a:prstDash val="solid"/>
-                      <a:round/>
-                      <a:headEnd type="none" w="med" len="med"/>
-                      <a:tailEnd type="none" w="med" len="med"/>
-                    </a:lnR>
-                    <a:lnT cmpd="sng" algn="ctr" cap="flat" w="38100">
-                      <a:solidFill>
-                        <a:srgbClr val="FFD699"/>
-                      </a:solidFill>
-                      <a:prstDash val="solid"/>
-                      <a:round/>
-                      <a:headEnd type="none" w="med" len="med"/>
-                      <a:tailEnd type="none" w="med" len="med"/>
-                    </a:lnT>
-                    <a:lnB cmpd="sng" algn="ctr" cap="flat" w="38100">
-                      <a:solidFill>
-                        <a:srgbClr val="FFD699"/>
-                      </a:solidFill>
-                      <a:prstDash val="solid"/>
-                      <a:round/>
-                      <a:headEnd type="none" w="med" len="med"/>
-                      <a:tailEnd type="none" w="med" len="med"/>
-                    </a:lnB>
-                  </a:tcPr>
-                </a:tc>
-              </a:tr>
-              <a:tr h="1028700">
-                <a:tc>
-                  <a:txBody>
-                    <a:bodyPr anchor="t" rtlCol="false"/>
-                    <a:lstStyle/>
-                    <a:p>
-                      <a:pPr algn="ctr">
-                        <a:lnSpc>
-                          <a:spcPts val="2520"/>
-                        </a:lnSpc>
-                        <a:defRPr/>
-                      </a:pPr>
-                      <a:r>
-                        <a:rPr lang="en-US" sz="1800">
-                          <a:solidFill>
-                            <a:srgbClr val="000000"/>
-                          </a:solidFill>
-                          <a:latin typeface="Open Sans Bold"/>
-                        </a:rPr>
-                        <a:t>617138</a:t>
-                      </a:r>
-                      <a:endParaRPr lang="en-US" sz="1100"/>
-                    </a:p>
-                  </a:txBody>
-                  <a:tcPr marL="190500" marR="190500" marT="190500" marB="190500" anchor="ctr">
-                    <a:lnL cmpd="sng" algn="ctr" cap="flat" w="38100">
-                      <a:solidFill>
-                        <a:srgbClr val="FFD699"/>
-                      </a:solidFill>
-                      <a:prstDash val="solid"/>
-                      <a:round/>
-                      <a:headEnd type="none" w="med" len="med"/>
-                      <a:tailEnd type="none" w="med" len="med"/>
-                    </a:lnL>
-                    <a:lnR cmpd="sng" algn="ctr" cap="flat" w="38100">
-                      <a:solidFill>
-                        <a:srgbClr val="FFD699"/>
-                      </a:solidFill>
-                      <a:prstDash val="solid"/>
-                      <a:round/>
-                      <a:headEnd type="none" w="med" len="med"/>
-                      <a:tailEnd type="none" w="med" len="med"/>
-                    </a:lnR>
-                    <a:lnT cmpd="sng" algn="ctr" cap="flat" w="38100">
-                      <a:solidFill>
-                        <a:srgbClr val="FFD699"/>
-                      </a:solidFill>
-                      <a:prstDash val="solid"/>
-                      <a:round/>
-                      <a:headEnd type="none" w="med" len="med"/>
-                      <a:tailEnd type="none" w="med" len="med"/>
-                    </a:lnT>
-                    <a:lnB cmpd="sng" algn="ctr" cap="flat" w="38100">
-                      <a:solidFill>
-                        <a:srgbClr val="FFD699"/>
-                      </a:solidFill>
-                      <a:prstDash val="solid"/>
-                      <a:round/>
-                      <a:headEnd type="none" w="med" len="med"/>
-                      <a:tailEnd type="none" w="med" len="med"/>
-                    </a:lnB>
-                  </a:tcPr>
-                </a:tc>
-                <a:tc>
-                  <a:txBody>
-                    <a:bodyPr anchor="t" rtlCol="false"/>
-                    <a:lstStyle/>
-                    <a:p>
-                      <a:pPr algn="ctr">
-                        <a:lnSpc>
-                          <a:spcPts val="2520"/>
-                        </a:lnSpc>
-                        <a:defRPr/>
-                      </a:pPr>
-                      <a:endParaRPr lang="en-US" sz="1100"/>
-                    </a:p>
-                  </a:txBody>
-                  <a:tcPr marL="190500" marR="190500" marT="190500" marB="190500" anchor="ctr">
-                    <a:lnL cmpd="sng" algn="ctr" cap="flat" w="38100">
-                      <a:solidFill>
-                        <a:srgbClr val="FFD699"/>
-                      </a:solidFill>
-                      <a:prstDash val="solid"/>
-                      <a:round/>
-                      <a:headEnd type="none" w="med" len="med"/>
-                      <a:tailEnd type="none" w="med" len="med"/>
-                    </a:lnL>
-                    <a:lnR cmpd="sng" algn="ctr" cap="flat" w="38100">
-                      <a:solidFill>
-                        <a:srgbClr val="FFD699"/>
-                      </a:solidFill>
-                      <a:prstDash val="solid"/>
-                      <a:round/>
-                      <a:headEnd type="none" w="med" len="med"/>
-                      <a:tailEnd type="none" w="med" len="med"/>
-                    </a:lnR>
-                    <a:lnT cmpd="sng" algn="ctr" cap="flat" w="38100">
-                      <a:solidFill>
-                        <a:srgbClr val="FFD699"/>
-                      </a:solidFill>
-                      <a:prstDash val="solid"/>
-                      <a:round/>
-                      <a:headEnd type="none" w="med" len="med"/>
-                      <a:tailEnd type="none" w="med" len="med"/>
-                    </a:lnT>
-                    <a:lnB cmpd="sng" algn="ctr" cap="flat" w="38100">
-                      <a:solidFill>
-                        <a:srgbClr val="FFD699"/>
-                      </a:solidFill>
-                      <a:prstDash val="solid"/>
-                      <a:round/>
-                      <a:headEnd type="none" w="med" len="med"/>
-                      <a:tailEnd type="none" w="med" len="med"/>
-                    </a:lnB>
-                  </a:tcPr>
-                </a:tc>
-              </a:tr>
-            </a:tbl>
-          </a:graphicData>
-        </a:graphic>
-      </p:graphicFrame>
-      <p:sp>
-        <p:nvSpPr>
-          <p:cNvPr name="TextBox 10" id="10"/>
-          <p:cNvSpPr txBox="true"/>
-          <p:nvPr/>
-        </p:nvSpPr>
-        <p:spPr>
-          <a:xfrm rot="0">
-            <a:off x="2533490" y="1207438"/>
-            <a:ext cx="13626764" cy="887095"/>
-          </a:xfrm>
-          <a:prstGeom prst="rect">
-            <a:avLst/>
-          </a:prstGeom>
-        </p:spPr>
-        <p:txBody>
-          <a:bodyPr anchor="t" rtlCol="false" tIns="0" lIns="0" bIns="0" rIns="0">
-            <a:spAutoFit/>
-          </a:bodyPr>
-          <a:lstStyle/>
-          <a:p>
-            <a:pPr algn="ctr">
-              <a:lnSpc>
-                <a:spcPts val="7279"/>
-              </a:lnSpc>
-            </a:pPr>
-            <a:r>
-              <a:rPr lang="en-US" sz="5199">
-                <a:solidFill>
-                  <a:srgbClr val="000000"/>
-                </a:solidFill>
-                <a:latin typeface="Open Sans Bold"/>
-              </a:rPr>
-              <a:t>Por qué no lo ordené : Diccionario</a:t>
-            </a:r>
-          </a:p>
-        </p:txBody>
-      </p:sp>
-      <p:sp>
-        <p:nvSpPr>
-          <p:cNvPr name="TextBox 11" id="11"/>
-          <p:cNvSpPr txBox="true"/>
-          <p:nvPr/>
-        </p:nvSpPr>
-        <p:spPr>
-          <a:xfrm rot="0">
-            <a:off x="1519739" y="2218517"/>
-            <a:ext cx="14437643" cy="1780540"/>
-          </a:xfrm>
-          <a:prstGeom prst="rect">
-            <a:avLst/>
-          </a:prstGeom>
-        </p:spPr>
-        <p:txBody>
-          <a:bodyPr anchor="t" rtlCol="false" tIns="0" lIns="0" bIns="0" rIns="0">
-            <a:spAutoFit/>
-          </a:bodyPr>
-          <a:lstStyle/>
-          <a:p>
-            <a:pPr algn="ctr">
-              <a:lnSpc>
-                <a:spcPts val="4759"/>
-              </a:lnSpc>
-            </a:pPr>
-            <a:r>
-              <a:rPr lang="en-US" sz="3399">
-                <a:solidFill>
-                  <a:srgbClr val="000000"/>
-                </a:solidFill>
-                <a:latin typeface="Open Sans"/>
-              </a:rPr>
-              <a:t>Los diccionarios son estructuras de datos que tienen una búsqueda muy eficiente O(1). [1] Entonces se puede acceder directamente a memoria.</a:t>
-            </a:r>
-          </a:p>
-        </p:txBody>
-      </p:sp>
-      <p:sp>
-        <p:nvSpPr>
-          <p:cNvPr name="TextBox 12" id="12"/>
-          <p:cNvSpPr txBox="true"/>
-          <p:nvPr/>
-        </p:nvSpPr>
-        <p:spPr>
-          <a:xfrm rot="0">
-            <a:off x="1028700" y="9191625"/>
-            <a:ext cx="16230600" cy="580390"/>
-          </a:xfrm>
-          <a:prstGeom prst="rect">
-            <a:avLst/>
-          </a:prstGeom>
-        </p:spPr>
-        <p:txBody>
-          <a:bodyPr anchor="t" rtlCol="false" tIns="0" lIns="0" bIns="0" rIns="0">
-            <a:spAutoFit/>
-          </a:bodyPr>
-          <a:lstStyle/>
-          <a:p>
-            <a:pPr algn="ctr">
-              <a:lnSpc>
-                <a:spcPts val="4759"/>
-              </a:lnSpc>
-            </a:pPr>
-          </a:p>
-        </p:txBody>
-      </p:sp>
-      <p:sp>
-        <p:nvSpPr>
-          <p:cNvPr name="TextBox 13" id="13"/>
-          <p:cNvSpPr txBox="true"/>
-          <p:nvPr/>
-        </p:nvSpPr>
-        <p:spPr>
-          <a:xfrm rot="0">
-            <a:off x="2210003" y="5165104"/>
-            <a:ext cx="1837432" cy="580390"/>
-          </a:xfrm>
-          <a:prstGeom prst="rect">
-            <a:avLst/>
-          </a:prstGeom>
-        </p:spPr>
-        <p:txBody>
-          <a:bodyPr anchor="t" rtlCol="false" tIns="0" lIns="0" bIns="0" rIns="0">
-            <a:spAutoFit/>
-          </a:bodyPr>
-          <a:lstStyle/>
-          <a:p>
-            <a:pPr algn="ctr">
-              <a:lnSpc>
-                <a:spcPts val="4759"/>
-              </a:lnSpc>
-            </a:pPr>
-            <a:r>
-              <a:rPr lang="en-US" sz="3399">
-                <a:solidFill>
-                  <a:srgbClr val="000000"/>
-                </a:solidFill>
-                <a:latin typeface="Open Sans"/>
-              </a:rPr>
-              <a:t>“palabra”</a:t>
-            </a:r>
-          </a:p>
-        </p:txBody>
-      </p:sp>
-      <p:sp>
-        <p:nvSpPr>
-          <p:cNvPr name="TextBox 14" id="14"/>
-          <p:cNvSpPr txBox="true"/>
-          <p:nvPr/>
-        </p:nvSpPr>
-        <p:spPr>
-          <a:xfrm rot="0">
-            <a:off x="6242011" y="5184154"/>
-            <a:ext cx="1481286" cy="580390"/>
-          </a:xfrm>
-          <a:prstGeom prst="rect">
-            <a:avLst/>
-          </a:prstGeom>
-        </p:spPr>
-        <p:txBody>
-          <a:bodyPr anchor="t" rtlCol="false" tIns="0" lIns="0" bIns="0" rIns="0">
-            <a:spAutoFit/>
-          </a:bodyPr>
-          <a:lstStyle/>
-          <a:p>
-            <a:pPr algn="ctr">
-              <a:lnSpc>
-                <a:spcPts val="4759"/>
-              </a:lnSpc>
-            </a:pPr>
-            <a:r>
-              <a:rPr lang="en-US" sz="3399">
-                <a:solidFill>
-                  <a:srgbClr val="000000"/>
-                </a:solidFill>
-                <a:latin typeface="Open Sans"/>
-              </a:rPr>
-              <a:t>617136</a:t>
-            </a:r>
-          </a:p>
-        </p:txBody>
-      </p:sp>
-      <p:sp>
-        <p:nvSpPr>
-          <p:cNvPr name="AutoShape 15" id="15"/>
-          <p:cNvSpPr/>
-          <p:nvPr/>
-        </p:nvSpPr>
-        <p:spPr>
-          <a:xfrm>
-            <a:off x="8235152" y="5488636"/>
-            <a:ext cx="2777049" cy="256858"/>
-          </a:xfrm>
-          <a:prstGeom prst="line">
-            <a:avLst/>
-          </a:prstGeom>
-          <a:ln cap="flat" w="38100">
-            <a:solidFill>
-              <a:srgbClr val="000000"/>
-            </a:solidFill>
-            <a:prstDash val="solid"/>
-            <a:headEnd type="none" len="sm" w="sm"/>
-            <a:tailEnd type="arrow" len="sm" w="med"/>
-          </a:ln>
-        </p:spPr>
-      </p:sp>
-      <p:sp>
-        <p:nvSpPr>
-          <p:cNvPr name="TextBox 16" id="16"/>
-          <p:cNvSpPr txBox="true"/>
-          <p:nvPr/>
-        </p:nvSpPr>
-        <p:spPr>
-          <a:xfrm rot="0">
-            <a:off x="14476338" y="5421961"/>
-            <a:ext cx="1535013" cy="580390"/>
-          </a:xfrm>
-          <a:prstGeom prst="rect">
-            <a:avLst/>
-          </a:prstGeom>
-        </p:spPr>
-        <p:txBody>
-          <a:bodyPr anchor="t" rtlCol="false" tIns="0" lIns="0" bIns="0" rIns="0">
-            <a:spAutoFit/>
-          </a:bodyPr>
-          <a:lstStyle/>
-          <a:p>
-            <a:pPr algn="ctr">
-              <a:lnSpc>
-                <a:spcPts val="4759"/>
-              </a:lnSpc>
-            </a:pPr>
-            <a:r>
-              <a:rPr lang="en-US" sz="3399">
-                <a:solidFill>
-                  <a:srgbClr val="000000"/>
-                </a:solidFill>
-                <a:latin typeface="Open Sans"/>
-              </a:rPr>
-              <a:t>palabra</a:t>
-            </a:r>
-          </a:p>
-        </p:txBody>
-      </p:sp>
-      <p:sp>
-        <p:nvSpPr>
-          <p:cNvPr name="TextBox 17" id="17"/>
-          <p:cNvSpPr txBox="true"/>
-          <p:nvPr/>
-        </p:nvSpPr>
-        <p:spPr>
-          <a:xfrm rot="0">
-            <a:off x="14670559" y="4287202"/>
-            <a:ext cx="1146572" cy="580390"/>
-          </a:xfrm>
-          <a:prstGeom prst="rect">
-            <a:avLst/>
-          </a:prstGeom>
-        </p:spPr>
-        <p:txBody>
-          <a:bodyPr anchor="t" rtlCol="false" tIns="0" lIns="0" bIns="0" rIns="0">
-            <a:spAutoFit/>
-          </a:bodyPr>
-          <a:lstStyle/>
-          <a:p>
-            <a:pPr algn="ctr">
-              <a:lnSpc>
-                <a:spcPts val="4759"/>
-              </a:lnSpc>
-            </a:pPr>
-            <a:r>
-              <a:rPr lang="en-US" sz="3399">
-                <a:solidFill>
-                  <a:srgbClr val="000000"/>
-                </a:solidFill>
-                <a:latin typeface="Open Sans"/>
-              </a:rPr>
-              <a:t>mapa</a:t>
-            </a:r>
-          </a:p>
-        </p:txBody>
-      </p:sp>
-      <p:sp>
-        <p:nvSpPr>
-          <p:cNvPr name="TextBox 18" id="18"/>
-          <p:cNvSpPr txBox="true"/>
-          <p:nvPr/>
-        </p:nvSpPr>
-        <p:spPr>
-          <a:xfrm rot="0">
-            <a:off x="14569670" y="6379352"/>
-            <a:ext cx="1269504" cy="580390"/>
-          </a:xfrm>
-          <a:prstGeom prst="rect">
-            <a:avLst/>
-          </a:prstGeom>
-        </p:spPr>
-        <p:txBody>
-          <a:bodyPr anchor="t" rtlCol="false" tIns="0" lIns="0" bIns="0" rIns="0">
-            <a:spAutoFit/>
-          </a:bodyPr>
-          <a:lstStyle/>
-          <a:p>
-            <a:pPr algn="ctr">
-              <a:lnSpc>
-                <a:spcPts val="4759"/>
-              </a:lnSpc>
-            </a:pPr>
-            <a:r>
-              <a:rPr lang="en-US" sz="3399">
-                <a:solidFill>
-                  <a:srgbClr val="000000"/>
-                </a:solidFill>
-                <a:latin typeface="Open Sans"/>
-              </a:rPr>
-              <a:t>pelota</a:t>
-            </a:r>
-          </a:p>
-        </p:txBody>
-      </p:sp>
-      <p:sp>
-        <p:nvSpPr>
-          <p:cNvPr name="TextBox 19" id="19"/>
-          <p:cNvSpPr txBox="true"/>
-          <p:nvPr/>
-        </p:nvSpPr>
-        <p:spPr>
-          <a:xfrm rot="0">
-            <a:off x="14380790" y="7340742"/>
-            <a:ext cx="1603177" cy="580390"/>
-          </a:xfrm>
-          <a:prstGeom prst="rect">
-            <a:avLst/>
-          </a:prstGeom>
-        </p:spPr>
-        <p:txBody>
-          <a:bodyPr anchor="t" rtlCol="false" tIns="0" lIns="0" bIns="0" rIns="0">
-            <a:spAutoFit/>
-          </a:bodyPr>
-          <a:lstStyle/>
-          <a:p>
-            <a:pPr algn="ctr">
-              <a:lnSpc>
-                <a:spcPts val="4759"/>
-              </a:lnSpc>
-            </a:pPr>
-            <a:r>
-              <a:rPr lang="en-US" sz="3399">
-                <a:solidFill>
-                  <a:srgbClr val="000000"/>
-                </a:solidFill>
-                <a:latin typeface="Open Sans"/>
-              </a:rPr>
-              <a:t>deporte</a:t>
-            </a:r>
-          </a:p>
-        </p:txBody>
-      </p:sp>
-      <p:sp>
-        <p:nvSpPr>
-          <p:cNvPr name="TextBox 20" id="20"/>
-          <p:cNvSpPr txBox="true"/>
-          <p:nvPr/>
-        </p:nvSpPr>
-        <p:spPr>
-          <a:xfrm rot="0">
-            <a:off x="12232382" y="8340718"/>
-            <a:ext cx="3927872" cy="580390"/>
-          </a:xfrm>
-          <a:prstGeom prst="rect">
-            <a:avLst/>
-          </a:prstGeom>
-        </p:spPr>
-        <p:txBody>
-          <a:bodyPr anchor="t" rtlCol="false" tIns="0" lIns="0" bIns="0" rIns="0">
-            <a:spAutoFit/>
-          </a:bodyPr>
-          <a:lstStyle/>
-          <a:p>
-            <a:pPr algn="ctr">
-              <a:lnSpc>
-                <a:spcPts val="4759"/>
-              </a:lnSpc>
-            </a:pPr>
-            <a:r>
-              <a:rPr lang="en-US" sz="3399">
-                <a:solidFill>
-                  <a:srgbClr val="000000"/>
-                </a:solidFill>
-                <a:latin typeface="Open Sans"/>
-              </a:rPr>
-              <a:t>Tabla de dispersión</a:t>
-            </a:r>
-          </a:p>
-        </p:txBody>
-      </p:sp>
-    </p:spTree>
-  </p:cSld>
-  <p:clrMapOvr>
-    <a:masterClrMapping/>
-  </p:clrMapOvr>
-</p:sld>
-</file>
-
-<file path=ppt/slides/slide6.xml><?xml version="1.0" encoding="utf-8"?>
 <p:sld xmlns:p="http://schemas.openxmlformats.org/presentationml/2006/main" xmlns:a="http://schemas.openxmlformats.org/drawingml/2006/main" xmlns:r="http://schemas.openxmlformats.org/officeDocument/2006/relationships">
   <p:cSld>
     <p:bg>
@@ -8453,8 +7245,8 @@
         </p:nvSpPr>
         <p:spPr>
           <a:xfrm flipH="false" flipV="false" rot="0">
-            <a:off x="914417" y="4215932"/>
-            <a:ext cx="7165411" cy="4823703"/>
+            <a:off x="577553" y="6931781"/>
+            <a:ext cx="7609730" cy="1417082"/>
           </a:xfrm>
           <a:custGeom>
             <a:avLst/>
@@ -8463,18 +7255,18 @@
             <a:cxnLst/>
             <a:rect r="r" b="b" t="t" l="l"/>
             <a:pathLst>
-              <a:path h="4823703" w="7165411">
+              <a:path h="1417082" w="7609730">
                 <a:moveTo>
                   <a:pt x="0" y="0"/>
                 </a:moveTo>
                 <a:lnTo>
-                  <a:pt x="7165411" y="0"/>
-                </a:lnTo>
-                <a:lnTo>
-                  <a:pt x="7165411" y="4823703"/>
-                </a:lnTo>
-                <a:lnTo>
-                  <a:pt x="0" y="4823703"/>
+                  <a:pt x="7609729" y="0"/>
+                </a:lnTo>
+                <a:lnTo>
+                  <a:pt x="7609729" y="1417082"/>
+                </a:lnTo>
+                <a:lnTo>
+                  <a:pt x="0" y="1417082"/>
                 </a:lnTo>
                 <a:lnTo>
                   <a:pt x="0" y="0"/>
@@ -8499,8 +7291,8 @@
         </p:nvSpPr>
         <p:spPr>
           <a:xfrm flipH="false" flipV="false" rot="0">
-            <a:off x="9775165" y="4456509"/>
-            <a:ext cx="7703781" cy="4344339"/>
+            <a:off x="-23629" y="4533394"/>
+            <a:ext cx="9013006" cy="928475"/>
           </a:xfrm>
           <a:custGeom>
             <a:avLst/>
@@ -8509,18 +7301,18 @@
             <a:cxnLst/>
             <a:rect r="r" b="b" t="t" l="l"/>
             <a:pathLst>
-              <a:path h="4344339" w="7703781">
+              <a:path h="928475" w="9013006">
                 <a:moveTo>
                   <a:pt x="0" y="0"/>
                 </a:moveTo>
                 <a:lnTo>
-                  <a:pt x="7703782" y="0"/>
-                </a:lnTo>
-                <a:lnTo>
-                  <a:pt x="7703782" y="4344339"/>
-                </a:lnTo>
-                <a:lnTo>
-                  <a:pt x="0" y="4344339"/>
+                  <a:pt x="9013006" y="0"/>
+                </a:lnTo>
+                <a:lnTo>
+                  <a:pt x="9013006" y="928476"/>
+                </a:lnTo>
+                <a:lnTo>
+                  <a:pt x="0" y="928476"/>
                 </a:lnTo>
                 <a:lnTo>
                   <a:pt x="0" y="0"/>
@@ -8539,7 +7331,53 @@
       </p:sp>
       <p:sp>
         <p:nvSpPr>
-          <p:cNvPr name="TextBox 13" id="13"/>
+          <p:cNvPr name="Freeform 13" id="13"/>
+          <p:cNvSpPr/>
+          <p:nvPr/>
+        </p:nvSpPr>
+        <p:spPr>
+          <a:xfrm flipH="false" flipV="false" rot="0">
+            <a:off x="9881020" y="3839767"/>
+            <a:ext cx="8260513" cy="4165659"/>
+          </a:xfrm>
+          <a:custGeom>
+            <a:avLst/>
+            <a:gdLst/>
+            <a:ahLst/>
+            <a:cxnLst/>
+            <a:rect r="r" b="b" t="t" l="l"/>
+            <a:pathLst>
+              <a:path h="4165659" w="8260513">
+                <a:moveTo>
+                  <a:pt x="0" y="0"/>
+                </a:moveTo>
+                <a:lnTo>
+                  <a:pt x="8260513" y="0"/>
+                </a:lnTo>
+                <a:lnTo>
+                  <a:pt x="8260513" y="4165659"/>
+                </a:lnTo>
+                <a:lnTo>
+                  <a:pt x="0" y="4165659"/>
+                </a:lnTo>
+                <a:lnTo>
+                  <a:pt x="0" y="0"/>
+                </a:lnTo>
+                <a:close/>
+              </a:path>
+            </a:pathLst>
+          </a:custGeom>
+          <a:blipFill>
+            <a:blip r:embed="rId10"/>
+            <a:stretch>
+              <a:fillRect l="0" t="0" r="0" b="0"/>
+            </a:stretch>
+          </a:blipFill>
+        </p:spPr>
+      </p:sp>
+      <p:sp>
+        <p:nvSpPr>
+          <p:cNvPr name="TextBox 14" id="14"/>
           <p:cNvSpPr txBox="true"/>
           <p:nvPr/>
         </p:nvSpPr>
@@ -8570,21 +7408,21 @@
                 </a:solidFill>
                 <a:latin typeface="Open Sans Bold"/>
               </a:rPr>
-              <a:t>Baraja</a:t>
-            </a:r>
-          </a:p>
-        </p:txBody>
-      </p:sp>
-      <p:sp>
-        <p:nvSpPr>
-          <p:cNvPr name="TextBox 14" id="14"/>
+              <a:t>Ordenamiento</a:t>
+            </a:r>
+          </a:p>
+        </p:txBody>
+      </p:sp>
+      <p:sp>
+        <p:nvSpPr>
+          <p:cNvPr name="TextBox 15" id="15"/>
           <p:cNvSpPr txBox="true"/>
           <p:nvPr/>
         </p:nvSpPr>
         <p:spPr>
           <a:xfrm rot="0">
             <a:off x="1519739" y="2218517"/>
-            <a:ext cx="14437643" cy="1780540"/>
+            <a:ext cx="14437643" cy="1180465"/>
           </a:xfrm>
           <a:prstGeom prst="rect">
             <a:avLst/>
@@ -8608,21 +7446,30 @@
                 </a:solidFill>
                 <a:latin typeface="Open Sans"/>
               </a:rPr>
-              <a:t>Junté las particiones en un arreglo global, generé un nuevo mapa que concatena (extend) los valores de las claves repetidas y lo dividí en 2 conjuntos iguales.</a:t>
-            </a:r>
-          </a:p>
-        </p:txBody>
-      </p:sp>
-      <p:sp>
-        <p:nvSpPr>
-          <p:cNvPr name="TextBox 15" id="15"/>
+              <a:t>El ordenamiento también es paralelizable,</a:t>
+            </a:r>
+            <a:r>
+              <a:rPr lang="en-US" sz="3399">
+                <a:solidFill>
+                  <a:srgbClr val="000000"/>
+                </a:solidFill>
+                <a:latin typeface="Open Sans"/>
+              </a:rPr>
+              <a:t> aquí se ordenó de forma alfabética dependiendo de la clave del objeto</a:t>
+            </a:r>
+          </a:p>
+        </p:txBody>
+      </p:sp>
+      <p:sp>
+        <p:nvSpPr>
+          <p:cNvPr name="TextBox 16" id="16"/>
           <p:cNvSpPr txBox="true"/>
           <p:nvPr/>
         </p:nvSpPr>
         <p:spPr>
           <a:xfrm rot="0">
-            <a:off x="1028700" y="9191625"/>
-            <a:ext cx="16230600" cy="580390"/>
+            <a:off x="10334823" y="8025330"/>
+            <a:ext cx="6868716" cy="580390"/>
           </a:xfrm>
           <a:prstGeom prst="rect">
             <a:avLst/>
@@ -8639,6 +7486,91 @@
                 <a:spcPts val="4759"/>
               </a:lnSpc>
             </a:pPr>
+            <a:r>
+              <a:rPr lang="en-US" sz="3399">
+                <a:solidFill>
+                  <a:srgbClr val="000000"/>
+                </a:solidFill>
+                <a:latin typeface="Open Sans"/>
+              </a:rPr>
+              <a:t>Contenido de “mapeo1” ordenado</a:t>
+            </a:r>
+          </a:p>
+        </p:txBody>
+      </p:sp>
+      <p:sp>
+        <p:nvSpPr>
+          <p:cNvPr name="TextBox 17" id="17"/>
+          <p:cNvSpPr txBox="true"/>
+          <p:nvPr/>
+        </p:nvSpPr>
+        <p:spPr>
+          <a:xfrm rot="0">
+            <a:off x="2306994" y="8381566"/>
+            <a:ext cx="3223962" cy="410208"/>
+          </a:xfrm>
+          <a:prstGeom prst="rect">
+            <a:avLst/>
+          </a:prstGeom>
+        </p:spPr>
+        <p:txBody>
+          <a:bodyPr anchor="t" rtlCol="false" tIns="0" lIns="0" bIns="0" rIns="0">
+            <a:spAutoFit/>
+          </a:bodyPr>
+          <a:lstStyle/>
+          <a:p>
+            <a:pPr algn="ctr">
+              <a:lnSpc>
+                <a:spcPts val="3447"/>
+              </a:lnSpc>
+            </a:pPr>
+            <a:r>
+              <a:rPr lang="en-US" sz="2462">
+                <a:solidFill>
+                  <a:srgbClr val="000000"/>
+                </a:solidFill>
+                <a:latin typeface="Open Sans"/>
+              </a:rPr>
+              <a:t>Paralelización en hilos</a:t>
+            </a:r>
+          </a:p>
+        </p:txBody>
+      </p:sp>
+      <p:sp>
+        <p:nvSpPr>
+          <p:cNvPr name="TextBox 18" id="18"/>
+          <p:cNvSpPr txBox="true"/>
+          <p:nvPr/>
+        </p:nvSpPr>
+        <p:spPr>
+          <a:xfrm rot="0">
+            <a:off x="1894319" y="5509495"/>
+            <a:ext cx="5177110" cy="401297"/>
+          </a:xfrm>
+          <a:prstGeom prst="rect">
+            <a:avLst/>
+          </a:prstGeom>
+        </p:spPr>
+        <p:txBody>
+          <a:bodyPr anchor="t" rtlCol="false" tIns="0" lIns="0" bIns="0" rIns="0">
+            <a:spAutoFit/>
+          </a:bodyPr>
+          <a:lstStyle/>
+          <a:p>
+            <a:pPr algn="ctr">
+              <a:lnSpc>
+                <a:spcPts val="3365"/>
+              </a:lnSpc>
+            </a:pPr>
+            <a:r>
+              <a:rPr lang="en-US" sz="2403">
+                <a:solidFill>
+                  <a:srgbClr val="000000"/>
+                </a:solidFill>
+                <a:latin typeface="Open Sans"/>
+              </a:rPr>
+              <a:t>Función Ordenamiento paralelizable</a:t>
+            </a:r>
           </a:p>
         </p:txBody>
       </p:sp>
@@ -8650,7 +7582,7 @@
 </p:sld>
 </file>
 
-<file path=ppt/slides/slide7.xml><?xml version="1.0" encoding="utf-8"?>
+<file path=ppt/slides/slide6.xml><?xml version="1.0" encoding="utf-8"?>
 <p:sld xmlns:p="http://schemas.openxmlformats.org/presentationml/2006/main" xmlns:a="http://schemas.openxmlformats.org/drawingml/2006/main" xmlns:r="http://schemas.openxmlformats.org/officeDocument/2006/relationships">
   <p:cSld>
     <p:bg>
@@ -8994,7 +7926,7 @@
         </p:nvGrpSpPr>
         <p:grpSpPr>
           <a:xfrm rot="0">
-            <a:off x="8187282" y="5823820"/>
+            <a:off x="8422837" y="5839719"/>
             <a:ext cx="1352328" cy="1352328"/>
             <a:chOff x="0" y="0"/>
             <a:chExt cx="812800" cy="812800"/>
@@ -9088,8 +8020,8 @@
         </p:nvSpPr>
         <p:spPr>
           <a:xfrm flipH="false" flipV="false" rot="0">
-            <a:off x="787306" y="7039475"/>
-            <a:ext cx="7399976" cy="2337720"/>
+            <a:off x="340138" y="4084782"/>
+            <a:ext cx="7987301" cy="5340810"/>
           </a:xfrm>
           <a:custGeom>
             <a:avLst/>
@@ -9098,18 +8030,18 @@
             <a:cxnLst/>
             <a:rect r="r" b="b" t="t" l="l"/>
             <a:pathLst>
-              <a:path h="2337720" w="7399976">
+              <a:path h="5340810" w="7987301">
                 <a:moveTo>
                   <a:pt x="0" y="0"/>
                 </a:moveTo>
                 <a:lnTo>
-                  <a:pt x="7399976" y="0"/>
-                </a:lnTo>
-                <a:lnTo>
-                  <a:pt x="7399976" y="2337719"/>
-                </a:lnTo>
-                <a:lnTo>
-                  <a:pt x="0" y="2337719"/>
+                  <a:pt x="7987302" y="0"/>
+                </a:lnTo>
+                <a:lnTo>
+                  <a:pt x="7987302" y="5340810"/>
+                </a:lnTo>
+                <a:lnTo>
+                  <a:pt x="0" y="5340810"/>
                 </a:lnTo>
                 <a:lnTo>
                   <a:pt x="0" y="0"/>
@@ -9134,8 +8066,8 @@
         </p:nvSpPr>
         <p:spPr>
           <a:xfrm flipH="false" flipV="false" rot="0">
-            <a:off x="1297550" y="4090277"/>
-            <a:ext cx="6379489" cy="2758698"/>
+            <a:off x="9870415" y="4593310"/>
+            <a:ext cx="7615129" cy="3650047"/>
           </a:xfrm>
           <a:custGeom>
             <a:avLst/>
@@ -9144,18 +8076,18 @@
             <a:cxnLst/>
             <a:rect r="r" b="b" t="t" l="l"/>
             <a:pathLst>
-              <a:path h="2758698" w="6379489">
+              <a:path h="3650047" w="7615129">
                 <a:moveTo>
                   <a:pt x="0" y="0"/>
                 </a:moveTo>
                 <a:lnTo>
-                  <a:pt x="6379489" y="0"/>
-                </a:lnTo>
-                <a:lnTo>
-                  <a:pt x="6379489" y="2758698"/>
-                </a:lnTo>
-                <a:lnTo>
-                  <a:pt x="0" y="2758698"/>
+                  <a:pt x="7615129" y="0"/>
+                </a:lnTo>
+                <a:lnTo>
+                  <a:pt x="7615129" y="3650047"/>
+                </a:lnTo>
+                <a:lnTo>
+                  <a:pt x="0" y="3650047"/>
                 </a:lnTo>
                 <a:lnTo>
                   <a:pt x="0" y="0"/>
@@ -9174,14 +8106,198 @@
       </p:sp>
       <p:sp>
         <p:nvSpPr>
-          <p:cNvPr name="Freeform 13" id="13"/>
+          <p:cNvPr name="TextBox 13" id="13"/>
+          <p:cNvSpPr txBox="true"/>
+          <p:nvPr/>
+        </p:nvSpPr>
+        <p:spPr>
+          <a:xfrm rot="0">
+            <a:off x="2533490" y="1207438"/>
+            <a:ext cx="13626764" cy="887095"/>
+          </a:xfrm>
+          <a:prstGeom prst="rect">
+            <a:avLst/>
+          </a:prstGeom>
+        </p:spPr>
+        <p:txBody>
+          <a:bodyPr anchor="t" rtlCol="false" tIns="0" lIns="0" bIns="0" rIns="0">
+            <a:spAutoFit/>
+          </a:bodyPr>
+          <a:lstStyle/>
+          <a:p>
+            <a:pPr algn="ctr">
+              <a:lnSpc>
+                <a:spcPts val="7279"/>
+              </a:lnSpc>
+            </a:pPr>
+            <a:r>
+              <a:rPr lang="en-US" sz="5199">
+                <a:solidFill>
+                  <a:srgbClr val="000000"/>
+                </a:solidFill>
+                <a:latin typeface="Open Sans Bold"/>
+              </a:rPr>
+              <a:t>Baraja</a:t>
+            </a:r>
+          </a:p>
+        </p:txBody>
+      </p:sp>
+      <p:sp>
+        <p:nvSpPr>
+          <p:cNvPr name="TextBox 14" id="14"/>
+          <p:cNvSpPr txBox="true"/>
+          <p:nvPr/>
+        </p:nvSpPr>
+        <p:spPr>
+          <a:xfrm rot="0">
+            <a:off x="1519739" y="2218517"/>
+            <a:ext cx="14437643" cy="1780540"/>
+          </a:xfrm>
+          <a:prstGeom prst="rect">
+            <a:avLst/>
+          </a:prstGeom>
+        </p:spPr>
+        <p:txBody>
+          <a:bodyPr anchor="t" rtlCol="false" tIns="0" lIns="0" bIns="0" rIns="0">
+            <a:spAutoFit/>
+          </a:bodyPr>
+          <a:lstStyle/>
+          <a:p>
+            <a:pPr algn="ctr">
+              <a:lnSpc>
+                <a:spcPts val="4759"/>
+              </a:lnSpc>
+            </a:pPr>
+            <a:r>
+              <a:rPr lang="en-US" sz="3399">
+                <a:solidFill>
+                  <a:srgbClr val="000000"/>
+                </a:solidFill>
+                <a:latin typeface="Open Sans"/>
+              </a:rPr>
+              <a:t>La baraja es serial, junté las particiones en un arreglo global, generé un nuevo mapa que concatena los valores de las claves repetidas y lo dividí en 2 conjuntos iguales, finalmente los ordené globalmente.</a:t>
+            </a:r>
+          </a:p>
+        </p:txBody>
+      </p:sp>
+      <p:sp>
+        <p:nvSpPr>
+          <p:cNvPr name="TextBox 15" id="15"/>
+          <p:cNvSpPr txBox="true"/>
+          <p:nvPr/>
+        </p:nvSpPr>
+        <p:spPr>
+          <a:xfrm rot="0">
+            <a:off x="2327414" y="9387492"/>
+            <a:ext cx="3373917" cy="410208"/>
+          </a:xfrm>
+          <a:prstGeom prst="rect">
+            <a:avLst/>
+          </a:prstGeom>
+        </p:spPr>
+        <p:txBody>
+          <a:bodyPr anchor="t" rtlCol="false" tIns="0" lIns="0" bIns="0" rIns="0">
+            <a:spAutoFit/>
+          </a:bodyPr>
+          <a:lstStyle/>
+          <a:p>
+            <a:pPr algn="ctr">
+              <a:lnSpc>
+                <a:spcPts val="3447"/>
+              </a:lnSpc>
+            </a:pPr>
+            <a:r>
+              <a:rPr lang="en-US" sz="2462">
+                <a:solidFill>
+                  <a:srgbClr val="000000"/>
+                </a:solidFill>
+                <a:latin typeface="Open Sans"/>
+              </a:rPr>
+              <a:t>Función Baraja(Shuffle)</a:t>
+            </a:r>
+          </a:p>
+        </p:txBody>
+      </p:sp>
+      <p:sp>
+        <p:nvSpPr>
+          <p:cNvPr name="TextBox 16" id="16"/>
+          <p:cNvSpPr txBox="true"/>
+          <p:nvPr/>
+        </p:nvSpPr>
+        <p:spPr>
+          <a:xfrm rot="0">
+            <a:off x="12950955" y="8395757"/>
+            <a:ext cx="1454050" cy="410208"/>
+          </a:xfrm>
+          <a:prstGeom prst="rect">
+            <a:avLst/>
+          </a:prstGeom>
+        </p:spPr>
+        <p:txBody>
+          <a:bodyPr anchor="t" rtlCol="false" tIns="0" lIns="0" bIns="0" rIns="0">
+            <a:spAutoFit/>
+          </a:bodyPr>
+          <a:lstStyle/>
+          <a:p>
+            <a:pPr algn="ctr">
+              <a:lnSpc>
+                <a:spcPts val="3447"/>
+              </a:lnSpc>
+            </a:pPr>
+            <a:r>
+              <a:rPr lang="en-US" sz="2462">
+                <a:solidFill>
+                  <a:srgbClr val="000000"/>
+                </a:solidFill>
+                <a:latin typeface="Open Sans"/>
+              </a:rPr>
+              <a:t>Resultado</a:t>
+            </a:r>
+          </a:p>
+        </p:txBody>
+      </p:sp>
+    </p:spTree>
+  </p:cSld>
+  <p:clrMapOvr>
+    <a:masterClrMapping/>
+  </p:clrMapOvr>
+</p:sld>
+</file>
+
+<file path=ppt/slides/slide7.xml><?xml version="1.0" encoding="utf-8"?>
+<p:sld xmlns:p="http://schemas.openxmlformats.org/presentationml/2006/main" xmlns:a="http://schemas.openxmlformats.org/drawingml/2006/main" xmlns:r="http://schemas.openxmlformats.org/officeDocument/2006/relationships">
+  <p:cSld>
+    <p:bg>
+      <p:bgPr>
+        <a:solidFill>
+          <a:srgbClr val="FFF8E9"/>
+        </a:solidFill>
+      </p:bgPr>
+    </p:bg>
+    <p:spTree>
+      <p:nvGrpSpPr>
+        <p:cNvPr id="1" name=""/>
+        <p:cNvGrpSpPr/>
+        <p:nvPr/>
+      </p:nvGrpSpPr>
+      <p:grpSpPr>
+        <a:xfrm>
+          <a:off x="0" y="0"/>
+          <a:ext cx="0" cy="0"/>
+          <a:chOff x="0" y="0"/>
+          <a:chExt cx="0" cy="0"/>
+        </a:xfrm>
+      </p:grpSpPr>
+      <p:sp>
+        <p:nvSpPr>
+          <p:cNvPr name="Freeform 2" id="2"/>
           <p:cNvSpPr/>
           <p:nvPr/>
         </p:nvSpPr>
         <p:spPr>
           <a:xfrm flipH="false" flipV="false" rot="0">
-            <a:off x="9701353" y="4237182"/>
-            <a:ext cx="7557947" cy="5140012"/>
+            <a:off x="-1466780" y="9039635"/>
+            <a:ext cx="6722198" cy="6172200"/>
           </a:xfrm>
           <a:custGeom>
             <a:avLst/>
@@ -9190,18 +8306,516 @@
             <a:cxnLst/>
             <a:rect r="r" b="b" t="t" l="l"/>
             <a:pathLst>
-              <a:path h="5140012" w="7557947">
+              <a:path h="6172200" w="6722198">
                 <a:moveTo>
                   <a:pt x="0" y="0"/>
                 </a:moveTo>
                 <a:lnTo>
-                  <a:pt x="7557947" y="0"/>
-                </a:lnTo>
-                <a:lnTo>
-                  <a:pt x="7557947" y="5140012"/>
-                </a:lnTo>
-                <a:lnTo>
-                  <a:pt x="0" y="5140012"/>
+                  <a:pt x="6722198" y="0"/>
+                </a:lnTo>
+                <a:lnTo>
+                  <a:pt x="6722198" y="6172200"/>
+                </a:lnTo>
+                <a:lnTo>
+                  <a:pt x="0" y="6172200"/>
+                </a:lnTo>
+                <a:lnTo>
+                  <a:pt x="0" y="0"/>
+                </a:lnTo>
+                <a:close/>
+              </a:path>
+            </a:pathLst>
+          </a:custGeom>
+          <a:blipFill>
+            <a:blip r:embed="rId2">
+              <a:extLst>
+                <a:ext uri="{96DAC541-7B7A-43D3-8B79-37D633B846F1}">
+                  <asvg:svgBlip xmlns:asvg="http://schemas.microsoft.com/office/drawing/2016/SVG/main" r:embed="rId3"/>
+                </a:ext>
+              </a:extLst>
+            </a:blip>
+            <a:stretch>
+              <a:fillRect l="0" t="0" r="0" b="0"/>
+            </a:stretch>
+          </a:blipFill>
+        </p:spPr>
+      </p:sp>
+      <p:sp>
+        <p:nvSpPr>
+          <p:cNvPr name="Freeform 3" id="3"/>
+          <p:cNvSpPr/>
+          <p:nvPr/>
+        </p:nvSpPr>
+        <p:spPr>
+          <a:xfrm flipH="false" flipV="false" rot="0">
+            <a:off x="-3324881" y="7540269"/>
+            <a:ext cx="4985647" cy="5303879"/>
+          </a:xfrm>
+          <a:custGeom>
+            <a:avLst/>
+            <a:gdLst/>
+            <a:ahLst/>
+            <a:cxnLst/>
+            <a:rect r="r" b="b" t="t" l="l"/>
+            <a:pathLst>
+              <a:path h="5303879" w="4985647">
+                <a:moveTo>
+                  <a:pt x="0" y="0"/>
+                </a:moveTo>
+                <a:lnTo>
+                  <a:pt x="4985647" y="0"/>
+                </a:lnTo>
+                <a:lnTo>
+                  <a:pt x="4985647" y="5303879"/>
+                </a:lnTo>
+                <a:lnTo>
+                  <a:pt x="0" y="5303879"/>
+                </a:lnTo>
+                <a:lnTo>
+                  <a:pt x="0" y="0"/>
+                </a:lnTo>
+                <a:close/>
+              </a:path>
+            </a:pathLst>
+          </a:custGeom>
+          <a:blipFill>
+            <a:blip r:embed="rId4">
+              <a:extLst>
+                <a:ext uri="{96DAC541-7B7A-43D3-8B79-37D633B846F1}">
+                  <asvg:svgBlip xmlns:asvg="http://schemas.microsoft.com/office/drawing/2016/SVG/main" r:embed="rId5"/>
+                </a:ext>
+              </a:extLst>
+            </a:blip>
+            <a:stretch>
+              <a:fillRect l="0" t="0" r="0" b="0"/>
+            </a:stretch>
+          </a:blipFill>
+        </p:spPr>
+      </p:sp>
+      <p:sp>
+        <p:nvSpPr>
+          <p:cNvPr name="Freeform 4" id="4"/>
+          <p:cNvSpPr/>
+          <p:nvPr/>
+        </p:nvSpPr>
+        <p:spPr>
+          <a:xfrm flipH="true" flipV="false" rot="0">
+            <a:off x="10120078" y="8092005"/>
+            <a:ext cx="12080352" cy="7094461"/>
+          </a:xfrm>
+          <a:custGeom>
+            <a:avLst/>
+            <a:gdLst/>
+            <a:ahLst/>
+            <a:cxnLst/>
+            <a:rect r="r" b="b" t="t" l="l"/>
+            <a:pathLst>
+              <a:path h="7094461" w="12080352">
+                <a:moveTo>
+                  <a:pt x="12080352" y="0"/>
+                </a:moveTo>
+                <a:lnTo>
+                  <a:pt x="0" y="0"/>
+                </a:lnTo>
+                <a:lnTo>
+                  <a:pt x="0" y="7094462"/>
+                </a:lnTo>
+                <a:lnTo>
+                  <a:pt x="12080352" y="7094462"/>
+                </a:lnTo>
+                <a:lnTo>
+                  <a:pt x="12080352" y="0"/>
+                </a:lnTo>
+                <a:close/>
+              </a:path>
+            </a:pathLst>
+          </a:custGeom>
+          <a:blipFill>
+            <a:blip r:embed="rId6">
+              <a:extLst>
+                <a:ext uri="{96DAC541-7B7A-43D3-8B79-37D633B846F1}">
+                  <asvg:svgBlip xmlns:asvg="http://schemas.microsoft.com/office/drawing/2016/SVG/main" r:embed="rId7"/>
+                </a:ext>
+              </a:extLst>
+            </a:blip>
+            <a:stretch>
+              <a:fillRect l="0" t="0" r="0" b="0"/>
+            </a:stretch>
+          </a:blipFill>
+        </p:spPr>
+      </p:sp>
+      <p:sp>
+        <p:nvSpPr>
+          <p:cNvPr name="Freeform 5" id="5"/>
+          <p:cNvSpPr/>
+          <p:nvPr/>
+        </p:nvSpPr>
+        <p:spPr>
+          <a:xfrm flipH="false" flipV="true" rot="0">
+            <a:off x="-3506686" y="-4891937"/>
+            <a:ext cx="12080352" cy="7094461"/>
+          </a:xfrm>
+          <a:custGeom>
+            <a:avLst/>
+            <a:gdLst/>
+            <a:ahLst/>
+            <a:cxnLst/>
+            <a:rect r="r" b="b" t="t" l="l"/>
+            <a:pathLst>
+              <a:path h="7094461" w="12080352">
+                <a:moveTo>
+                  <a:pt x="0" y="7094462"/>
+                </a:moveTo>
+                <a:lnTo>
+                  <a:pt x="12080352" y="7094462"/>
+                </a:lnTo>
+                <a:lnTo>
+                  <a:pt x="12080352" y="0"/>
+                </a:lnTo>
+                <a:lnTo>
+                  <a:pt x="0" y="0"/>
+                </a:lnTo>
+                <a:lnTo>
+                  <a:pt x="0" y="7094462"/>
+                </a:lnTo>
+                <a:close/>
+              </a:path>
+            </a:pathLst>
+          </a:custGeom>
+          <a:blipFill>
+            <a:blip r:embed="rId6">
+              <a:extLst>
+                <a:ext uri="{96DAC541-7B7A-43D3-8B79-37D633B846F1}">
+                  <asvg:svgBlip xmlns:asvg="http://schemas.microsoft.com/office/drawing/2016/SVG/main" r:embed="rId7"/>
+                </a:ext>
+              </a:extLst>
+            </a:blip>
+            <a:stretch>
+              <a:fillRect l="0" t="0" r="0" b="0"/>
+            </a:stretch>
+          </a:blipFill>
+        </p:spPr>
+      </p:sp>
+      <p:sp>
+        <p:nvSpPr>
+          <p:cNvPr name="Freeform 6" id="6"/>
+          <p:cNvSpPr/>
+          <p:nvPr/>
+        </p:nvSpPr>
+        <p:spPr>
+          <a:xfrm flipH="false" flipV="false" rot="0">
+            <a:off x="15804664" y="-4239307"/>
+            <a:ext cx="6722198" cy="6172200"/>
+          </a:xfrm>
+          <a:custGeom>
+            <a:avLst/>
+            <a:gdLst/>
+            <a:ahLst/>
+            <a:cxnLst/>
+            <a:rect r="r" b="b" t="t" l="l"/>
+            <a:pathLst>
+              <a:path h="6172200" w="6722198">
+                <a:moveTo>
+                  <a:pt x="0" y="0"/>
+                </a:moveTo>
+                <a:lnTo>
+                  <a:pt x="6722198" y="0"/>
+                </a:lnTo>
+                <a:lnTo>
+                  <a:pt x="6722198" y="6172200"/>
+                </a:lnTo>
+                <a:lnTo>
+                  <a:pt x="0" y="6172200"/>
+                </a:lnTo>
+                <a:lnTo>
+                  <a:pt x="0" y="0"/>
+                </a:lnTo>
+                <a:close/>
+              </a:path>
+            </a:pathLst>
+          </a:custGeom>
+          <a:blipFill>
+            <a:blip r:embed="rId2">
+              <a:extLst>
+                <a:ext uri="{96DAC541-7B7A-43D3-8B79-37D633B846F1}">
+                  <asvg:svgBlip xmlns:asvg="http://schemas.microsoft.com/office/drawing/2016/SVG/main" r:embed="rId3"/>
+                </a:ext>
+              </a:extLst>
+            </a:blip>
+            <a:stretch>
+              <a:fillRect l="0" t="0" r="0" b="0"/>
+            </a:stretch>
+          </a:blipFill>
+        </p:spPr>
+      </p:sp>
+      <p:sp>
+        <p:nvSpPr>
+          <p:cNvPr name="Freeform 7" id="7"/>
+          <p:cNvSpPr/>
+          <p:nvPr/>
+        </p:nvSpPr>
+        <p:spPr>
+          <a:xfrm flipH="false" flipV="false" rot="0">
+            <a:off x="14631136" y="-4239307"/>
+            <a:ext cx="4985647" cy="5303879"/>
+          </a:xfrm>
+          <a:custGeom>
+            <a:avLst/>
+            <a:gdLst/>
+            <a:ahLst/>
+            <a:cxnLst/>
+            <a:rect r="r" b="b" t="t" l="l"/>
+            <a:pathLst>
+              <a:path h="5303879" w="4985647">
+                <a:moveTo>
+                  <a:pt x="0" y="0"/>
+                </a:moveTo>
+                <a:lnTo>
+                  <a:pt x="4985647" y="0"/>
+                </a:lnTo>
+                <a:lnTo>
+                  <a:pt x="4985647" y="5303879"/>
+                </a:lnTo>
+                <a:lnTo>
+                  <a:pt x="0" y="5303879"/>
+                </a:lnTo>
+                <a:lnTo>
+                  <a:pt x="0" y="0"/>
+                </a:lnTo>
+                <a:close/>
+              </a:path>
+            </a:pathLst>
+          </a:custGeom>
+          <a:blipFill>
+            <a:blip r:embed="rId4">
+              <a:extLst>
+                <a:ext uri="{96DAC541-7B7A-43D3-8B79-37D633B846F1}">
+                  <asvg:svgBlip xmlns:asvg="http://schemas.microsoft.com/office/drawing/2016/SVG/main" r:embed="rId5"/>
+                </a:ext>
+              </a:extLst>
+            </a:blip>
+            <a:stretch>
+              <a:fillRect l="0" t="0" r="0" b="0"/>
+            </a:stretch>
+          </a:blipFill>
+        </p:spPr>
+      </p:sp>
+      <p:grpSp>
+        <p:nvGrpSpPr>
+          <p:cNvPr name="Group 8" id="8"/>
+          <p:cNvGrpSpPr/>
+          <p:nvPr/>
+        </p:nvGrpSpPr>
+        <p:grpSpPr>
+          <a:xfrm rot="0">
+            <a:off x="8573666" y="5890808"/>
+            <a:ext cx="1352328" cy="1352328"/>
+            <a:chOff x="0" y="0"/>
+            <a:chExt cx="812800" cy="812800"/>
+          </a:xfrm>
+        </p:grpSpPr>
+        <p:sp>
+          <p:nvSpPr>
+            <p:cNvPr name="Freeform 9" id="9"/>
+            <p:cNvSpPr/>
+            <p:nvPr/>
+          </p:nvSpPr>
+          <p:spPr>
+            <a:xfrm flipH="false" flipV="false" rot="0">
+              <a:off x="0" y="0"/>
+              <a:ext cx="812800" cy="812800"/>
+            </a:xfrm>
+            <a:custGeom>
+              <a:avLst/>
+              <a:gdLst/>
+              <a:ahLst/>
+              <a:cxnLst/>
+              <a:rect r="r" b="b" t="t" l="l"/>
+              <a:pathLst>
+                <a:path h="812800" w="812800">
+                  <a:moveTo>
+                    <a:pt x="812800" y="406400"/>
+                  </a:moveTo>
+                  <a:lnTo>
+                    <a:pt x="406400" y="0"/>
+                  </a:lnTo>
+                  <a:lnTo>
+                    <a:pt x="406400" y="203200"/>
+                  </a:lnTo>
+                  <a:lnTo>
+                    <a:pt x="0" y="203200"/>
+                  </a:lnTo>
+                  <a:lnTo>
+                    <a:pt x="0" y="609600"/>
+                  </a:lnTo>
+                  <a:lnTo>
+                    <a:pt x="406400" y="609600"/>
+                  </a:lnTo>
+                  <a:lnTo>
+                    <a:pt x="406400" y="812800"/>
+                  </a:lnTo>
+                  <a:lnTo>
+                    <a:pt x="812800" y="406400"/>
+                  </a:lnTo>
+                  <a:close/>
+                </a:path>
+              </a:pathLst>
+            </a:custGeom>
+            <a:solidFill>
+              <a:srgbClr val="8AB7DD"/>
+            </a:solidFill>
+          </p:spPr>
+        </p:sp>
+        <p:sp>
+          <p:nvSpPr>
+            <p:cNvPr name="TextBox 10" id="10"/>
+            <p:cNvSpPr txBox="true"/>
+            <p:nvPr/>
+          </p:nvSpPr>
+          <p:spPr>
+            <a:xfrm>
+              <a:off x="0" y="146050"/>
+              <a:ext cx="711200" cy="463550"/>
+            </a:xfrm>
+            <a:prstGeom prst="rect">
+              <a:avLst/>
+            </a:prstGeom>
+          </p:spPr>
+          <p:txBody>
+            <a:bodyPr anchor="ctr" rtlCol="false" tIns="50800" lIns="50800" bIns="50800" rIns="50800"/>
+            <a:lstStyle/>
+            <a:p>
+              <a:pPr algn="ctr">
+                <a:lnSpc>
+                  <a:spcPts val="3346"/>
+                </a:lnSpc>
+              </a:pPr>
+            </a:p>
+          </p:txBody>
+        </p:sp>
+      </p:grpSp>
+      <p:sp>
+        <p:nvSpPr>
+          <p:cNvPr name="Freeform 11" id="11"/>
+          <p:cNvSpPr/>
+          <p:nvPr/>
+        </p:nvSpPr>
+        <p:spPr>
+          <a:xfrm flipH="false" flipV="false" rot="0">
+            <a:off x="209725" y="4123196"/>
+            <a:ext cx="8102060" cy="2443777"/>
+          </a:xfrm>
+          <a:custGeom>
+            <a:avLst/>
+            <a:gdLst/>
+            <a:ahLst/>
+            <a:cxnLst/>
+            <a:rect r="r" b="b" t="t" l="l"/>
+            <a:pathLst>
+              <a:path h="2443777" w="8102060">
+                <a:moveTo>
+                  <a:pt x="0" y="0"/>
+                </a:moveTo>
+                <a:lnTo>
+                  <a:pt x="8102060" y="0"/>
+                </a:lnTo>
+                <a:lnTo>
+                  <a:pt x="8102060" y="2443776"/>
+                </a:lnTo>
+                <a:lnTo>
+                  <a:pt x="0" y="2443776"/>
+                </a:lnTo>
+                <a:lnTo>
+                  <a:pt x="0" y="0"/>
+                </a:lnTo>
+                <a:close/>
+              </a:path>
+            </a:pathLst>
+          </a:custGeom>
+          <a:blipFill>
+            <a:blip r:embed="rId8"/>
+            <a:stretch>
+              <a:fillRect l="0" t="0" r="0" b="0"/>
+            </a:stretch>
+          </a:blipFill>
+        </p:spPr>
+      </p:sp>
+      <p:sp>
+        <p:nvSpPr>
+          <p:cNvPr name="Freeform 12" id="12"/>
+          <p:cNvSpPr/>
+          <p:nvPr/>
+        </p:nvSpPr>
+        <p:spPr>
+          <a:xfrm flipH="false" flipV="false" rot="0">
+            <a:off x="1028700" y="7253405"/>
+            <a:ext cx="6685902" cy="2315941"/>
+          </a:xfrm>
+          <a:custGeom>
+            <a:avLst/>
+            <a:gdLst/>
+            <a:ahLst/>
+            <a:cxnLst/>
+            <a:rect r="r" b="b" t="t" l="l"/>
+            <a:pathLst>
+              <a:path h="2315941" w="6685902">
+                <a:moveTo>
+                  <a:pt x="0" y="0"/>
+                </a:moveTo>
+                <a:lnTo>
+                  <a:pt x="6685902" y="0"/>
+                </a:lnTo>
+                <a:lnTo>
+                  <a:pt x="6685902" y="2315942"/>
+                </a:lnTo>
+                <a:lnTo>
+                  <a:pt x="0" y="2315942"/>
+                </a:lnTo>
+                <a:lnTo>
+                  <a:pt x="0" y="0"/>
+                </a:lnTo>
+                <a:close/>
+              </a:path>
+            </a:pathLst>
+          </a:custGeom>
+          <a:blipFill>
+            <a:blip r:embed="rId9"/>
+            <a:stretch>
+              <a:fillRect l="0" t="0" r="0" b="0"/>
+            </a:stretch>
+          </a:blipFill>
+        </p:spPr>
+      </p:sp>
+      <p:sp>
+        <p:nvSpPr>
+          <p:cNvPr name="Freeform 13" id="13"/>
+          <p:cNvSpPr/>
+          <p:nvPr/>
+        </p:nvSpPr>
+        <p:spPr>
+          <a:xfrm flipH="false" flipV="false" rot="0">
+            <a:off x="10024173" y="4671705"/>
+            <a:ext cx="8158008" cy="4843452"/>
+          </a:xfrm>
+          <a:custGeom>
+            <a:avLst/>
+            <a:gdLst/>
+            <a:ahLst/>
+            <a:cxnLst/>
+            <a:rect r="r" b="b" t="t" l="l"/>
+            <a:pathLst>
+              <a:path h="4843452" w="8158008">
+                <a:moveTo>
+                  <a:pt x="0" y="0"/>
+                </a:moveTo>
+                <a:lnTo>
+                  <a:pt x="8158008" y="0"/>
+                </a:lnTo>
+                <a:lnTo>
+                  <a:pt x="8158008" y="4843453"/>
+                </a:lnTo>
+                <a:lnTo>
+                  <a:pt x="0" y="4843453"/>
                 </a:lnTo>
                 <a:lnTo>
                   <a:pt x="0" y="0"/>
@@ -9289,7 +8903,7 @@
                 </a:solidFill>
                 <a:latin typeface="Open Sans"/>
               </a:rPr>
-              <a:t>Creo 2 hilos y ejecuto mi función reduce con los 2 nuevos mapas generados por el “mapeo”. Esto suma todos los valores de cada clave, finalmente exporto el resultado total en un diccionario global.</a:t>
+              <a:t>Creo 2 hilos y ejecuto mi función reduce con los 2 nuevos mapas generados por el “shuffle”. Esto suma todos los valores de cada clave, finalmente exporto el resultado total en un diccionario global.</a:t>
             </a:r>
           </a:p>
         </p:txBody>
@@ -9320,6 +8934,120 @@
                 <a:spcPts val="4759"/>
               </a:lnSpc>
             </a:pPr>
+          </a:p>
+        </p:txBody>
+      </p:sp>
+      <p:sp>
+        <p:nvSpPr>
+          <p:cNvPr name="TextBox 17" id="17"/>
+          <p:cNvSpPr txBox="true"/>
+          <p:nvPr/>
+        </p:nvSpPr>
+        <p:spPr>
+          <a:xfrm rot="0">
+            <a:off x="2943147" y="6614597"/>
+            <a:ext cx="2312271" cy="410208"/>
+          </a:xfrm>
+          <a:prstGeom prst="rect">
+            <a:avLst/>
+          </a:prstGeom>
+        </p:spPr>
+        <p:txBody>
+          <a:bodyPr anchor="t" rtlCol="false" tIns="0" lIns="0" bIns="0" rIns="0">
+            <a:spAutoFit/>
+          </a:bodyPr>
+          <a:lstStyle/>
+          <a:p>
+            <a:pPr algn="ctr">
+              <a:lnSpc>
+                <a:spcPts val="3447"/>
+              </a:lnSpc>
+            </a:pPr>
+            <a:r>
+              <a:rPr lang="en-US" sz="2462">
+                <a:solidFill>
+                  <a:srgbClr val="000000"/>
+                </a:solidFill>
+                <a:latin typeface="Open Sans"/>
+              </a:rPr>
+              <a:t>Función Reduce</a:t>
+            </a:r>
+          </a:p>
+        </p:txBody>
+      </p:sp>
+      <p:sp>
+        <p:nvSpPr>
+          <p:cNvPr name="TextBox 18" id="18"/>
+          <p:cNvSpPr txBox="true"/>
+          <p:nvPr/>
+        </p:nvSpPr>
+        <p:spPr>
+          <a:xfrm rot="0">
+            <a:off x="3257862" y="9616972"/>
+            <a:ext cx="2005786" cy="410208"/>
+          </a:xfrm>
+          <a:prstGeom prst="rect">
+            <a:avLst/>
+          </a:prstGeom>
+        </p:spPr>
+        <p:txBody>
+          <a:bodyPr anchor="t" rtlCol="false" tIns="0" lIns="0" bIns="0" rIns="0">
+            <a:spAutoFit/>
+          </a:bodyPr>
+          <a:lstStyle/>
+          <a:p>
+            <a:pPr algn="ctr">
+              <a:lnSpc>
+                <a:spcPts val="3447"/>
+              </a:lnSpc>
+            </a:pPr>
+            <a:r>
+              <a:rPr lang="en-US" sz="2462">
+                <a:solidFill>
+                  <a:srgbClr val="000000"/>
+                </a:solidFill>
+                <a:latin typeface="Open Sans"/>
+              </a:rPr>
+              <a:t>Paralelización</a:t>
+            </a:r>
+          </a:p>
+        </p:txBody>
+      </p:sp>
+      <p:sp>
+        <p:nvSpPr>
+          <p:cNvPr name="TextBox 19" id="19"/>
+          <p:cNvSpPr txBox="true"/>
+          <p:nvPr/>
+        </p:nvSpPr>
+        <p:spPr>
+          <a:xfrm rot="0">
+            <a:off x="13509596" y="9667558"/>
+            <a:ext cx="1454050" cy="410208"/>
+          </a:xfrm>
+          <a:prstGeom prst="rect">
+            <a:avLst/>
+          </a:prstGeom>
+        </p:spPr>
+        <p:txBody>
+          <a:bodyPr anchor="t" rtlCol="false" tIns="0" lIns="0" bIns="0" rIns="0">
+            <a:spAutoFit/>
+          </a:bodyPr>
+          <a:lstStyle/>
+          <a:p>
+            <a:pPr algn="ctr">
+              <a:lnSpc>
+                <a:spcPts val="3447"/>
+              </a:lnSpc>
+            </a:pPr>
+            <a:r>
+              <a:rPr lang="en-US" sz="2462">
+                <a:solidFill>
+                  <a:srgbClr val="000000"/>
+                </a:solidFill>
+                <a:latin typeface="Open Sans"/>
+              </a:rPr>
+              <a:t>Resultado</a:t>
+            </a:r>
           </a:p>
         </p:txBody>
       </p:sp>
@@ -9675,8 +9403,8 @@
         </p:nvSpPr>
         <p:spPr>
           <a:xfrm flipH="false" flipV="false" rot="0">
-            <a:off x="1238293" y="2202525"/>
-            <a:ext cx="4017125" cy="7492473"/>
+            <a:off x="437671" y="3958828"/>
+            <a:ext cx="6490433" cy="6328172"/>
           </a:xfrm>
           <a:custGeom>
             <a:avLst/>
@@ -9685,18 +9413,18 @@
             <a:cxnLst/>
             <a:rect r="r" b="b" t="t" l="l"/>
             <a:pathLst>
-              <a:path h="7492473" w="4017125">
+              <a:path h="6328172" w="6490433">
                 <a:moveTo>
                   <a:pt x="0" y="0"/>
                 </a:moveTo>
                 <a:lnTo>
-                  <a:pt x="4017125" y="0"/>
-                </a:lnTo>
-                <a:lnTo>
-                  <a:pt x="4017125" y="7492473"/>
-                </a:lnTo>
-                <a:lnTo>
-                  <a:pt x="0" y="7492473"/>
+                  <a:pt x="6490433" y="0"/>
+                </a:lnTo>
+                <a:lnTo>
+                  <a:pt x="6490433" y="6328172"/>
+                </a:lnTo>
+                <a:lnTo>
+                  <a:pt x="0" y="6328172"/>
                 </a:lnTo>
                 <a:lnTo>
                   <a:pt x="0" y="0"/>
@@ -9708,7 +9436,7 @@
           <a:blipFill>
             <a:blip r:embed="rId8"/>
             <a:stretch>
-              <a:fillRect l="0" t="0" r="-86283" b="0"/>
+              <a:fillRect l="0" t="0" r="0" b="0"/>
             </a:stretch>
           </a:blipFill>
         </p:spPr>
@@ -9721,8 +9449,8 @@
         </p:nvSpPr>
         <p:spPr>
           <a:xfrm flipH="false" flipV="false" rot="0">
-            <a:off x="6448550" y="2615715"/>
-            <a:ext cx="10675409" cy="6666093"/>
+            <a:off x="11900831" y="2989407"/>
+            <a:ext cx="3020643" cy="1294561"/>
           </a:xfrm>
           <a:custGeom>
             <a:avLst/>
@@ -9731,18 +9459,18 @@
             <a:cxnLst/>
             <a:rect r="r" b="b" t="t" l="l"/>
             <a:pathLst>
-              <a:path h="6666093" w="10675409">
+              <a:path h="1294561" w="3020643">
                 <a:moveTo>
                   <a:pt x="0" y="0"/>
                 </a:moveTo>
                 <a:lnTo>
-                  <a:pt x="10675410" y="0"/>
-                </a:lnTo>
-                <a:lnTo>
-                  <a:pt x="10675410" y="6666093"/>
-                </a:lnTo>
-                <a:lnTo>
-                  <a:pt x="0" y="6666093"/>
+                  <a:pt x="3020643" y="0"/>
+                </a:lnTo>
+                <a:lnTo>
+                  <a:pt x="3020643" y="1294562"/>
+                </a:lnTo>
+                <a:lnTo>
+                  <a:pt x="0" y="1294562"/>
                 </a:lnTo>
                 <a:lnTo>
                   <a:pt x="0" y="0"/>
@@ -9761,7 +9489,53 @@
       </p:sp>
       <p:sp>
         <p:nvSpPr>
-          <p:cNvPr name="TextBox 10" id="10"/>
+          <p:cNvPr name="Freeform 10" id="10"/>
+          <p:cNvSpPr/>
+          <p:nvPr/>
+        </p:nvSpPr>
+        <p:spPr>
+          <a:xfrm flipH="false" flipV="false" rot="0">
+            <a:off x="8573666" y="4426217"/>
+            <a:ext cx="8298189" cy="5985892"/>
+          </a:xfrm>
+          <a:custGeom>
+            <a:avLst/>
+            <a:gdLst/>
+            <a:ahLst/>
+            <a:cxnLst/>
+            <a:rect r="r" b="b" t="t" l="l"/>
+            <a:pathLst>
+              <a:path h="5985892" w="8298189">
+                <a:moveTo>
+                  <a:pt x="0" y="0"/>
+                </a:moveTo>
+                <a:lnTo>
+                  <a:pt x="8298189" y="0"/>
+                </a:lnTo>
+                <a:lnTo>
+                  <a:pt x="8298189" y="5985892"/>
+                </a:lnTo>
+                <a:lnTo>
+                  <a:pt x="0" y="5985892"/>
+                </a:lnTo>
+                <a:lnTo>
+                  <a:pt x="0" y="0"/>
+                </a:lnTo>
+                <a:close/>
+              </a:path>
+            </a:pathLst>
+          </a:custGeom>
+          <a:blipFill>
+            <a:blip r:embed="rId10"/>
+            <a:stretch>
+              <a:fillRect l="0" t="-1432" r="0" b="0"/>
+            </a:stretch>
+          </a:blipFill>
+        </p:spPr>
+      </p:sp>
+      <p:sp>
+        <p:nvSpPr>
+          <p:cNvPr name="TextBox 11" id="11"/>
           <p:cNvSpPr txBox="true"/>
           <p:nvPr/>
         </p:nvSpPr>
@@ -9799,7 +9573,7 @@
       </p:sp>
       <p:sp>
         <p:nvSpPr>
-          <p:cNvPr name="TextBox 11" id="11"/>
+          <p:cNvPr name="TextBox 12" id="12"/>
           <p:cNvSpPr txBox="true"/>
           <p:nvPr/>
         </p:nvSpPr>
@@ -9823,6 +9597,44 @@
                 <a:spcPts val="4759"/>
               </a:lnSpc>
             </a:pPr>
+          </a:p>
+        </p:txBody>
+      </p:sp>
+      <p:sp>
+        <p:nvSpPr>
+          <p:cNvPr name="TextBox 13" id="13"/>
+          <p:cNvSpPr txBox="true"/>
+          <p:nvPr/>
+        </p:nvSpPr>
+        <p:spPr>
+          <a:xfrm rot="0">
+            <a:off x="1519739" y="2218517"/>
+            <a:ext cx="14437643" cy="1180465"/>
+          </a:xfrm>
+          <a:prstGeom prst="rect">
+            <a:avLst/>
+          </a:prstGeom>
+        </p:spPr>
+        <p:txBody>
+          <a:bodyPr anchor="t" rtlCol="false" tIns="0" lIns="0" bIns="0" rIns="0">
+            <a:spAutoFit/>
+          </a:bodyPr>
+          <a:lstStyle/>
+          <a:p>
+            <a:pPr algn="ctr">
+              <a:lnSpc>
+                <a:spcPts val="4759"/>
+              </a:lnSpc>
+            </a:pPr>
+            <a:r>
+              <a:rPr lang="en-US" sz="3399">
+                <a:solidFill>
+                  <a:srgbClr val="000000"/>
+                </a:solidFill>
+                <a:latin typeface="Open Sans"/>
+              </a:rPr>
+              <a:t>Comparé el conteo resultante con el conteo en Word y funciona perfectamente</a:t>
+            </a:r>
           </a:p>
         </p:txBody>
       </p:sp>
